--- a/Pres_Avril/PresentationPIMSAvrilA.pptx
+++ b/Pres_Avril/PresentationPIMSAvrilA.pptx
@@ -19,12 +19,11 @@
     <p:sldId id="286" r:id="rId13"/>
     <p:sldId id="288" r:id="rId14"/>
     <p:sldId id="281" r:id="rId15"/>
-    <p:sldId id="282" r:id="rId16"/>
+    <p:sldId id="293" r:id="rId16"/>
     <p:sldId id="287" r:id="rId17"/>
-    <p:sldId id="272" r:id="rId18"/>
-    <p:sldId id="289" r:id="rId19"/>
-    <p:sldId id="273" r:id="rId20"/>
-    <p:sldId id="274" r:id="rId21"/>
+    <p:sldId id="289" r:id="rId18"/>
+    <p:sldId id="273" r:id="rId19"/>
+    <p:sldId id="274" r:id="rId20"/>
   </p:sldIdLst>
   <p:sldSz cx="12192000" cy="6858000"/>
   <p:notesSz cx="6858000" cy="9144000"/>
@@ -125,7 +124,7 @@
   </p:defaultTextStyle>
   <p:extLst>
     <p:ext uri="{EFAFB233-063F-42B5-8137-9DF3F51BA10A}">
-      <p15:sldGuideLst xmlns:p15="http://schemas.microsoft.com/office/powerpoint/2012/main" xmlns=""/>
+      <p15:sldGuideLst xmlns="" xmlns:p15="http://schemas.microsoft.com/office/powerpoint/2012/main"/>
     </p:ext>
   </p:extLst>
 </p:presentation>
@@ -337,7 +336,7 @@
     <a:masterClrMapping/>
   </p:clrMapOvr>
   <mc:AlternateContent xmlns:mc="http://schemas.openxmlformats.org/markup-compatibility/2006">
-    <mc:Choice xmlns:p15="http://schemas.microsoft.com/office/powerpoint/2012/main" xmlns="" Requires="p15">
+    <mc:Choice xmlns="" xmlns:p15="http://schemas.microsoft.com/office/powerpoint/2012/main" Requires="p15">
       <p:transition xmlns:p14="http://schemas.microsoft.com/office/powerpoint/2010/main" spd="slow" p14:dur="1250">
         <p15:prstTrans prst="peelOff"/>
       </p:transition>
@@ -519,7 +518,7 @@
     <a:masterClrMapping/>
   </p:clrMapOvr>
   <mc:AlternateContent xmlns:mc="http://schemas.openxmlformats.org/markup-compatibility/2006">
-    <mc:Choice xmlns:p15="http://schemas.microsoft.com/office/powerpoint/2012/main" xmlns="" Requires="p15">
+    <mc:Choice xmlns="" xmlns:p15="http://schemas.microsoft.com/office/powerpoint/2012/main" Requires="p15">
       <p:transition xmlns:p14="http://schemas.microsoft.com/office/powerpoint/2010/main" spd="slow" p14:dur="1250">
         <p15:prstTrans prst="peelOff"/>
       </p:transition>
@@ -711,7 +710,7 @@
     <a:masterClrMapping/>
   </p:clrMapOvr>
   <mc:AlternateContent xmlns:mc="http://schemas.openxmlformats.org/markup-compatibility/2006">
-    <mc:Choice xmlns:p15="http://schemas.microsoft.com/office/powerpoint/2012/main" xmlns="" Requires="p15">
+    <mc:Choice xmlns="" xmlns:p15="http://schemas.microsoft.com/office/powerpoint/2012/main" Requires="p15">
       <p:transition xmlns:p14="http://schemas.microsoft.com/office/powerpoint/2010/main" spd="slow" p14:dur="1250">
         <p15:prstTrans prst="peelOff"/>
       </p:transition>
@@ -1079,7 +1078,7 @@
     <a:masterClrMapping/>
   </p:clrMapOvr>
   <mc:AlternateContent xmlns:mc="http://schemas.openxmlformats.org/markup-compatibility/2006">
-    <mc:Choice xmlns:p15="http://schemas.microsoft.com/office/powerpoint/2012/main" xmlns="" Requires="p15">
+    <mc:Choice xmlns="" xmlns:p15="http://schemas.microsoft.com/office/powerpoint/2012/main" Requires="p15">
       <p:transition xmlns:p14="http://schemas.microsoft.com/office/powerpoint/2010/main" spd="slow" p14:dur="1250">
         <p15:prstTrans prst="peelOff"/>
       </p:transition>
@@ -1373,7 +1372,7 @@
     <a:masterClrMapping/>
   </p:clrMapOvr>
   <mc:AlternateContent xmlns:mc="http://schemas.openxmlformats.org/markup-compatibility/2006">
-    <mc:Choice xmlns:p15="http://schemas.microsoft.com/office/powerpoint/2012/main" xmlns="" Requires="p15">
+    <mc:Choice xmlns="" xmlns:p15="http://schemas.microsoft.com/office/powerpoint/2012/main" Requires="p15">
       <p:transition xmlns:p14="http://schemas.microsoft.com/office/powerpoint/2010/main" spd="slow" p14:dur="1250">
         <p15:prstTrans prst="peelOff"/>
       </p:transition>
@@ -1739,7 +1738,7 @@
     <a:masterClrMapping/>
   </p:clrMapOvr>
   <mc:AlternateContent xmlns:mc="http://schemas.openxmlformats.org/markup-compatibility/2006">
-    <mc:Choice xmlns:p15="http://schemas.microsoft.com/office/powerpoint/2012/main" xmlns="" Requires="p15">
+    <mc:Choice xmlns="" xmlns:p15="http://schemas.microsoft.com/office/powerpoint/2012/main" Requires="p15">
       <p:transition xmlns:p14="http://schemas.microsoft.com/office/powerpoint/2010/main" spd="slow" p14:dur="1250">
         <p15:prstTrans prst="peelOff"/>
       </p:transition>
@@ -2094,7 +2093,7 @@
     <a:masterClrMapping/>
   </p:clrMapOvr>
   <mc:AlternateContent xmlns:mc="http://schemas.openxmlformats.org/markup-compatibility/2006">
-    <mc:Choice xmlns:p15="http://schemas.microsoft.com/office/powerpoint/2012/main" xmlns="" Requires="p15">
+    <mc:Choice xmlns="" xmlns:p15="http://schemas.microsoft.com/office/powerpoint/2012/main" Requires="p15">
       <p:transition xmlns:p14="http://schemas.microsoft.com/office/powerpoint/2010/main" spd="slow" p14:dur="1250">
         <p15:prstTrans prst="peelOff"/>
       </p:transition>
@@ -2583,7 +2582,7 @@
     <a:masterClrMapping/>
   </p:clrMapOvr>
   <mc:AlternateContent xmlns:mc="http://schemas.openxmlformats.org/markup-compatibility/2006">
-    <mc:Choice xmlns:p15="http://schemas.microsoft.com/office/powerpoint/2012/main" xmlns="" Requires="p15">
+    <mc:Choice xmlns="" xmlns:p15="http://schemas.microsoft.com/office/powerpoint/2012/main" Requires="p15">
       <p:transition xmlns:p14="http://schemas.microsoft.com/office/powerpoint/2010/main" spd="slow" p14:dur="1250">
         <p15:prstTrans prst="peelOff"/>
       </p:transition>
@@ -2815,7 +2814,7 @@
     <a:masterClrMapping/>
   </p:clrMapOvr>
   <mc:AlternateContent xmlns:mc="http://schemas.openxmlformats.org/markup-compatibility/2006">
-    <mc:Choice xmlns:p15="http://schemas.microsoft.com/office/powerpoint/2012/main" xmlns="" Requires="p15">
+    <mc:Choice xmlns="" xmlns:p15="http://schemas.microsoft.com/office/powerpoint/2012/main" Requires="p15">
       <p:transition xmlns:p14="http://schemas.microsoft.com/office/powerpoint/2010/main" spd="slow" p14:dur="1250">
         <p15:prstTrans prst="peelOff"/>
       </p:transition>
@@ -3024,7 +3023,7 @@
     <a:masterClrMapping/>
   </p:clrMapOvr>
   <mc:AlternateContent xmlns:mc="http://schemas.openxmlformats.org/markup-compatibility/2006">
-    <mc:Choice xmlns:p15="http://schemas.microsoft.com/office/powerpoint/2012/main" xmlns="" Requires="p15">
+    <mc:Choice xmlns="" xmlns:p15="http://schemas.microsoft.com/office/powerpoint/2012/main" Requires="p15">
       <p:transition xmlns:p14="http://schemas.microsoft.com/office/powerpoint/2010/main" spd="slow" p14:dur="1250">
         <p15:prstTrans prst="peelOff"/>
       </p:transition>
@@ -3389,7 +3388,7 @@
     <a:masterClrMapping/>
   </p:clrMapOvr>
   <mc:AlternateContent xmlns:mc="http://schemas.openxmlformats.org/markup-compatibility/2006">
-    <mc:Choice xmlns:p15="http://schemas.microsoft.com/office/powerpoint/2012/main" xmlns="" Requires="p15">
+    <mc:Choice xmlns="" xmlns:p15="http://schemas.microsoft.com/office/powerpoint/2012/main" Requires="p15">
       <p:transition xmlns:p14="http://schemas.microsoft.com/office/powerpoint/2010/main" spd="slow" p14:dur="1250">
         <p15:prstTrans prst="peelOff"/>
       </p:transition>
@@ -3571,7 +3570,7 @@
     <a:masterClrMapping/>
   </p:clrMapOvr>
   <mc:AlternateContent xmlns:mc="http://schemas.openxmlformats.org/markup-compatibility/2006">
-    <mc:Choice xmlns:p15="http://schemas.microsoft.com/office/powerpoint/2012/main" xmlns="" Requires="p15">
+    <mc:Choice xmlns="" xmlns:p15="http://schemas.microsoft.com/office/powerpoint/2012/main" Requires="p15">
       <p:transition xmlns:p14="http://schemas.microsoft.com/office/powerpoint/2010/main" spd="slow" p14:dur="1250">
         <p15:prstTrans prst="peelOff"/>
       </p:transition>
@@ -3953,7 +3952,7 @@
     <a:masterClrMapping/>
   </p:clrMapOvr>
   <mc:AlternateContent xmlns:mc="http://schemas.openxmlformats.org/markup-compatibility/2006">
-    <mc:Choice xmlns:p15="http://schemas.microsoft.com/office/powerpoint/2012/main" xmlns="" Requires="p15">
+    <mc:Choice xmlns="" xmlns:p15="http://schemas.microsoft.com/office/powerpoint/2012/main" Requires="p15">
       <p:transition xmlns:p14="http://schemas.microsoft.com/office/powerpoint/2010/main" spd="slow" p14:dur="1250">
         <p15:prstTrans prst="peelOff"/>
       </p:transition>
@@ -4323,7 +4322,7 @@
     <a:masterClrMapping/>
   </p:clrMapOvr>
   <mc:AlternateContent xmlns:mc="http://schemas.openxmlformats.org/markup-compatibility/2006">
-    <mc:Choice xmlns:p15="http://schemas.microsoft.com/office/powerpoint/2012/main" xmlns="" Requires="p15">
+    <mc:Choice xmlns="" xmlns:p15="http://schemas.microsoft.com/office/powerpoint/2012/main" Requires="p15">
       <p:transition xmlns:p14="http://schemas.microsoft.com/office/powerpoint/2010/main" spd="slow" p14:dur="1250">
         <p15:prstTrans prst="peelOff"/>
       </p:transition>
@@ -4828,7 +4827,7 @@
     <a:masterClrMapping/>
   </p:clrMapOvr>
   <mc:AlternateContent xmlns:mc="http://schemas.openxmlformats.org/markup-compatibility/2006">
-    <mc:Choice xmlns:p15="http://schemas.microsoft.com/office/powerpoint/2012/main" xmlns="" Requires="p15">
+    <mc:Choice xmlns="" xmlns:p15="http://schemas.microsoft.com/office/powerpoint/2012/main" Requires="p15">
       <p:transition xmlns:p14="http://schemas.microsoft.com/office/powerpoint/2010/main" spd="slow" p14:dur="1250">
         <p15:prstTrans prst="peelOff"/>
       </p:transition>
@@ -5120,7 +5119,7 @@
     <a:masterClrMapping/>
   </p:clrMapOvr>
   <mc:AlternateContent xmlns:mc="http://schemas.openxmlformats.org/markup-compatibility/2006">
-    <mc:Choice xmlns:p15="http://schemas.microsoft.com/office/powerpoint/2012/main" xmlns="" Requires="p15">
+    <mc:Choice xmlns="" xmlns:p15="http://schemas.microsoft.com/office/powerpoint/2012/main" Requires="p15">
       <p:transition xmlns:p14="http://schemas.microsoft.com/office/powerpoint/2010/main" spd="slow" p14:dur="1250">
         <p15:prstTrans prst="peelOff"/>
       </p:transition>
@@ -5544,7 +5543,7 @@
     <a:masterClrMapping/>
   </p:clrMapOvr>
   <mc:AlternateContent xmlns:mc="http://schemas.openxmlformats.org/markup-compatibility/2006">
-    <mc:Choice xmlns:p15="http://schemas.microsoft.com/office/powerpoint/2012/main" xmlns="" Requires="p15">
+    <mc:Choice xmlns="" xmlns:p15="http://schemas.microsoft.com/office/powerpoint/2012/main" Requires="p15">
       <p:transition xmlns:p14="http://schemas.microsoft.com/office/powerpoint/2010/main" spd="slow" p14:dur="1250">
         <p15:prstTrans prst="peelOff"/>
       </p:transition>
@@ -5896,7 +5895,7 @@
     <a:masterClrMapping/>
   </p:clrMapOvr>
   <mc:AlternateContent xmlns:mc="http://schemas.openxmlformats.org/markup-compatibility/2006">
-    <mc:Choice xmlns:p15="http://schemas.microsoft.com/office/powerpoint/2012/main" xmlns="" Requires="p15">
+    <mc:Choice xmlns="" xmlns:p15="http://schemas.microsoft.com/office/powerpoint/2012/main" Requires="p15">
       <p:transition xmlns:p14="http://schemas.microsoft.com/office/powerpoint/2010/main" spd="slow" p14:dur="1250">
         <p15:prstTrans prst="peelOff"/>
       </p:transition>
@@ -6180,7 +6179,7 @@
     <a:masterClrMapping/>
   </p:clrMapOvr>
   <mc:AlternateContent xmlns:mc="http://schemas.openxmlformats.org/markup-compatibility/2006">
-    <mc:Choice xmlns:p15="http://schemas.microsoft.com/office/powerpoint/2012/main" xmlns="" Requires="p15">
+    <mc:Choice xmlns="" xmlns:p15="http://schemas.microsoft.com/office/powerpoint/2012/main" Requires="p15">
       <p:transition xmlns:p14="http://schemas.microsoft.com/office/powerpoint/2010/main" spd="slow" p14:dur="1250">
         <p15:prstTrans prst="peelOff"/>
       </p:transition>
@@ -6474,7 +6473,7 @@
     <a:masterClrMapping/>
   </p:clrMapOvr>
   <mc:AlternateContent xmlns:mc="http://schemas.openxmlformats.org/markup-compatibility/2006">
-    <mc:Choice xmlns:p15="http://schemas.microsoft.com/office/powerpoint/2012/main" xmlns="" Requires="p15">
+    <mc:Choice xmlns="" xmlns:p15="http://schemas.microsoft.com/office/powerpoint/2012/main" Requires="p15">
       <p:transition xmlns:p14="http://schemas.microsoft.com/office/powerpoint/2010/main" spd="slow" p14:dur="1250">
         <p15:prstTrans prst="peelOff"/>
       </p:transition>
@@ -6732,7 +6731,7 @@
     <a:masterClrMapping/>
   </p:clrMapOvr>
   <mc:AlternateContent xmlns:mc="http://schemas.openxmlformats.org/markup-compatibility/2006">
-    <mc:Choice xmlns:p15="http://schemas.microsoft.com/office/powerpoint/2012/main" xmlns="" Requires="p15">
+    <mc:Choice xmlns="" xmlns:p15="http://schemas.microsoft.com/office/powerpoint/2012/main" Requires="p15">
       <p:transition xmlns:p14="http://schemas.microsoft.com/office/powerpoint/2010/main" spd="slow" p14:dur="1250">
         <p15:prstTrans prst="peelOff"/>
       </p:transition>
@@ -6976,7 +6975,7 @@
     <a:masterClrMapping/>
   </p:clrMapOvr>
   <mc:AlternateContent xmlns:mc="http://schemas.openxmlformats.org/markup-compatibility/2006">
-    <mc:Choice xmlns:p15="http://schemas.microsoft.com/office/powerpoint/2012/main" xmlns="" Requires="p15">
+    <mc:Choice xmlns="" xmlns:p15="http://schemas.microsoft.com/office/powerpoint/2012/main" Requires="p15">
       <p:transition xmlns:p14="http://schemas.microsoft.com/office/powerpoint/2010/main" spd="slow" p14:dur="1250">
         <p15:prstTrans prst="peelOff"/>
       </p:transition>
@@ -7355,7 +7354,7 @@
     <a:masterClrMapping/>
   </p:clrMapOvr>
   <mc:AlternateContent xmlns:mc="http://schemas.openxmlformats.org/markup-compatibility/2006">
-    <mc:Choice xmlns:p15="http://schemas.microsoft.com/office/powerpoint/2012/main" xmlns="" Requires="p15">
+    <mc:Choice xmlns="" xmlns:p15="http://schemas.microsoft.com/office/powerpoint/2012/main" Requires="p15">
       <p:transition xmlns:p14="http://schemas.microsoft.com/office/powerpoint/2010/main" spd="slow" p14:dur="1250">
         <p15:prstTrans prst="peelOff"/>
       </p:transition>
@@ -7485,7 +7484,7 @@
     <a:masterClrMapping/>
   </p:clrMapOvr>
   <mc:AlternateContent xmlns:mc="http://schemas.openxmlformats.org/markup-compatibility/2006">
-    <mc:Choice xmlns:p15="http://schemas.microsoft.com/office/powerpoint/2012/main" xmlns="" Requires="p15">
+    <mc:Choice xmlns="" xmlns:p15="http://schemas.microsoft.com/office/powerpoint/2012/main" Requires="p15">
       <p:transition xmlns:p14="http://schemas.microsoft.com/office/powerpoint/2010/main" spd="slow" p14:dur="1250">
         <p15:prstTrans prst="peelOff"/>
       </p:transition>
@@ -7592,7 +7591,7 @@
     <a:masterClrMapping/>
   </p:clrMapOvr>
   <mc:AlternateContent xmlns:mc="http://schemas.openxmlformats.org/markup-compatibility/2006">
-    <mc:Choice xmlns:p15="http://schemas.microsoft.com/office/powerpoint/2012/main" xmlns="" Requires="p15">
+    <mc:Choice xmlns="" xmlns:p15="http://schemas.microsoft.com/office/powerpoint/2012/main" Requires="p15">
       <p:transition xmlns:p14="http://schemas.microsoft.com/office/powerpoint/2010/main" spd="slow" p14:dur="1250">
         <p15:prstTrans prst="peelOff"/>
       </p:transition>
@@ -7881,7 +7880,7 @@
     <a:masterClrMapping/>
   </p:clrMapOvr>
   <mc:AlternateContent xmlns:mc="http://schemas.openxmlformats.org/markup-compatibility/2006">
-    <mc:Choice xmlns:p15="http://schemas.microsoft.com/office/powerpoint/2012/main" xmlns="" Requires="p15">
+    <mc:Choice xmlns="" xmlns:p15="http://schemas.microsoft.com/office/powerpoint/2012/main" Requires="p15">
       <p:transition xmlns:p14="http://schemas.microsoft.com/office/powerpoint/2010/main" spd="slow" p14:dur="1250">
         <p15:prstTrans prst="peelOff"/>
       </p:transition>
@@ -8146,7 +8145,7 @@
     <a:masterClrMapping/>
   </p:clrMapOvr>
   <mc:AlternateContent xmlns:mc="http://schemas.openxmlformats.org/markup-compatibility/2006">
-    <mc:Choice xmlns:p15="http://schemas.microsoft.com/office/powerpoint/2012/main" xmlns="" Requires="p15">
+    <mc:Choice xmlns="" xmlns:p15="http://schemas.microsoft.com/office/powerpoint/2012/main" Requires="p15">
       <p:transition xmlns:p14="http://schemas.microsoft.com/office/powerpoint/2010/main" spd="slow" p14:dur="1250">
         <p15:prstTrans prst="peelOff"/>
       </p:transition>
@@ -8439,7 +8438,7 @@
     <p:sldLayoutId id="2147483837" r:id="rId11"/>
   </p:sldLayoutIdLst>
   <mc:AlternateContent xmlns:mc="http://schemas.openxmlformats.org/markup-compatibility/2006">
-    <mc:Choice xmlns:p15="http://schemas.microsoft.com/office/powerpoint/2012/main" xmlns="" Requires="p15">
+    <mc:Choice xmlns="" xmlns:p15="http://schemas.microsoft.com/office/powerpoint/2012/main" Requires="p15">
       <p:transition xmlns:p14="http://schemas.microsoft.com/office/powerpoint/2010/main" spd="slow" p14:dur="1250">
         <p15:prstTrans prst="peelOff"/>
       </p:transition>
@@ -10852,7 +10851,7 @@
     <p:sldLayoutId id="2147483854" r:id="rId16"/>
   </p:sldLayoutIdLst>
   <mc:AlternateContent xmlns:mc="http://schemas.openxmlformats.org/markup-compatibility/2006">
-    <mc:Choice xmlns:p15="http://schemas.microsoft.com/office/powerpoint/2012/main" xmlns="" Requires="p15">
+    <mc:Choice xmlns="" xmlns:p15="http://schemas.microsoft.com/office/powerpoint/2012/main" Requires="p15">
       <p:transition xmlns:p14="http://schemas.microsoft.com/office/powerpoint/2010/main" spd="slow" p14:dur="1250">
         <p15:prstTrans prst="peelOff"/>
       </p:transition>
@@ -11652,15 +11651,15 @@
   <p:clrMapOvr>
     <a:masterClrMapping/>
   </p:clrMapOvr>
-  <mc:AlternateContent xmlns:mc="http://schemas.openxmlformats.org/markup-compatibility/2006" xmlns:p14="http://schemas.microsoft.com/office/powerpoint/2010/main">
-    <mc:Choice Requires="p14">
-      <p:transition spd="slow" p14:dur="2500">
-        <p:checker/>
+  <mc:AlternateContent xmlns:mc="http://schemas.openxmlformats.org/markup-compatibility/2006">
+    <mc:Choice xmlns:p14="http://schemas.microsoft.com/office/powerpoint/2010/main" Requires="p14">
+      <p:transition spd="med" p14:dur="700">
+        <p:fade/>
       </p:transition>
     </mc:Choice>
-    <mc:Fallback xmlns="">
-      <p:transition spd="slow">
-        <p:checker/>
+    <mc:Fallback>
+      <p:transition spd="med">
+        <p:fade/>
       </p:transition>
     </mc:Fallback>
   </mc:AlternateContent>
@@ -11691,6 +11690,101 @@
           <a:chExt cx="0" cy="0"/>
         </a:xfrm>
       </p:grpSpPr>
+      <p:pic>
+        <p:nvPicPr>
+          <p:cNvPr id="1030" name="Picture 6" descr="D:\FarView\PIMS\Pres_Avril\fitgauss3.png"/>
+          <p:cNvPicPr>
+            <a:picLocks noChangeAspect="1" noChangeArrowheads="1"/>
+          </p:cNvPicPr>
+          <p:nvPr/>
+        </p:nvPicPr>
+        <p:blipFill>
+          <a:blip r:embed="rId2">
+            <a:extLst>
+              <a:ext uri="{28A0092B-C50C-407E-A947-70E740481C1C}">
+                <a14:useLocalDpi xmlns:a14="http://schemas.microsoft.com/office/drawing/2010/main" val="0"/>
+              </a:ext>
+            </a:extLst>
+          </a:blip>
+          <a:srcRect/>
+          <a:stretch>
+            <a:fillRect/>
+          </a:stretch>
+        </p:blipFill>
+        <p:spPr bwMode="auto">
+          <a:xfrm>
+            <a:off x="7147775" y="2010917"/>
+            <a:ext cx="4121828" cy="3554644"/>
+          </a:xfrm>
+          <a:prstGeom prst="rect">
+            <a:avLst/>
+          </a:prstGeom>
+          <a:noFill/>
+          <a:extLst>
+            <a:ext uri="{909E8E84-426E-40DD-AFC4-6F175D3DCCD1}">
+              <a14:hiddenFill xmlns:a14="http://schemas.microsoft.com/office/drawing/2010/main">
+                <a:solidFill>
+                  <a:srgbClr val="FFFFFF"/>
+                </a:solidFill>
+              </a14:hiddenFill>
+            </a:ext>
+          </a:extLst>
+        </p:spPr>
+      </p:pic>
+      <p:pic>
+        <p:nvPicPr>
+          <p:cNvPr id="1029" name="Picture 5"/>
+          <p:cNvPicPr>
+            <a:picLocks noChangeAspect="1" noChangeArrowheads="1"/>
+          </p:cNvPicPr>
+          <p:nvPr/>
+        </p:nvPicPr>
+        <p:blipFill>
+          <a:blip r:embed="rId3">
+            <a:extLst>
+              <a:ext uri="{28A0092B-C50C-407E-A947-70E740481C1C}">
+                <a14:useLocalDpi xmlns:a14="http://schemas.microsoft.com/office/drawing/2010/main" val="0"/>
+              </a:ext>
+            </a:extLst>
+          </a:blip>
+          <a:srcRect/>
+          <a:stretch>
+            <a:fillRect/>
+          </a:stretch>
+        </p:blipFill>
+        <p:spPr bwMode="auto">
+          <a:xfrm>
+            <a:off x="386367" y="1685573"/>
+            <a:ext cx="5737216" cy="4876349"/>
+          </a:xfrm>
+          <a:prstGeom prst="rect">
+            <a:avLst/>
+          </a:prstGeom>
+          <a:noFill/>
+          <a:ln>
+            <a:noFill/>
+          </a:ln>
+          <a:extLst>
+            <a:ext uri="{909E8E84-426E-40DD-AFC4-6F175D3DCCD1}">
+              <a14:hiddenFill xmlns:a14="http://schemas.microsoft.com/office/drawing/2010/main">
+                <a:solidFill>
+                  <a:schemeClr val="accent1"/>
+                </a:solidFill>
+              </a14:hiddenFill>
+            </a:ext>
+            <a:ext uri="{91240B29-F687-4F45-9708-019B960494DF}">
+              <a14:hiddenLine xmlns:a14="http://schemas.microsoft.com/office/drawing/2010/main" w="9525">
+                <a:solidFill>
+                  <a:schemeClr val="tx1"/>
+                </a:solidFill>
+                <a:miter lim="800000"/>
+                <a:headEnd/>
+                <a:tailEnd/>
+              </a14:hiddenLine>
+            </a:ext>
+          </a:extLst>
+        </p:spPr>
+      </p:pic>
       <p:sp>
         <p:nvSpPr>
           <p:cNvPr id="3" name="Espace réservé du contenu 2"/>
@@ -11719,8 +11813,22 @@
             </a:pPr>
             <a:r>
               <a:rPr lang="fr-FR" sz="2800" u="sng" dirty="0" smtClean="0"/>
-              <a:t>II. </a:t>
-            </a:r>
+              <a:t>II</a:t>
+            </a:r>
+            <a:r>
+              <a:rPr lang="fr-FR" sz="2800" u="sng" dirty="0"/>
+              <a:t>. Utilisation de la tâche d’Airy</a:t>
+            </a:r>
+          </a:p>
+          <a:p>
+            <a:pPr marL="0" indent="0">
+              <a:buNone/>
+            </a:pPr>
+            <a:r>
+              <a:rPr lang="fr-FR" sz="2800" u="sng" dirty="0" smtClean="0"/>
+              <a:t> </a:t>
+            </a:r>
+            <a:endParaRPr lang="fr-FR" sz="2800" u="sng" dirty="0" smtClean="0"/>
           </a:p>
           <a:p>
             <a:pPr marL="0" indent="0">
@@ -11984,7 +12092,6 @@
               <a:rPr lang="fr-FR" sz="2400" b="1" dirty="0" smtClean="0"/>
               <a:t>Détermination de la position transversale</a:t>
             </a:r>
-            <a:endParaRPr lang="fr-FR" sz="2400" b="1" dirty="0" smtClean="0"/>
           </a:p>
           <a:p>
             <a:pPr marL="446088" indent="-358775">
@@ -11995,241 +12102,9 @@
               <a:rPr lang="fr-FR" sz="2400" dirty="0" smtClean="0"/>
               <a:t> </a:t>
             </a:r>
-            <a:endParaRPr lang="fr-FR" sz="2400" dirty="0" smtClean="0"/>
-          </a:p>
-        </p:txBody>
-      </p:sp>
-      <p:grpSp>
-        <p:nvGrpSpPr>
-          <p:cNvPr id="2" name="Groupe 1"/>
-          <p:cNvGrpSpPr/>
-          <p:nvPr/>
-        </p:nvGrpSpPr>
-        <p:grpSpPr>
-          <a:xfrm>
-            <a:off x="960149" y="1670859"/>
-            <a:ext cx="5349717" cy="4915102"/>
-            <a:chOff x="6155603" y="1575409"/>
-            <a:chExt cx="5349717" cy="4915102"/>
-          </a:xfrm>
-        </p:grpSpPr>
-        <p:pic>
-          <p:nvPicPr>
-            <p:cNvPr id="5122" name="Picture 2"/>
-            <p:cNvPicPr>
-              <a:picLocks noChangeAspect="1" noChangeArrowheads="1"/>
-            </p:cNvPicPr>
-            <p:nvPr/>
-          </p:nvPicPr>
-          <p:blipFill>
-            <a:blip r:embed="rId2">
-              <a:extLst>
-                <a:ext uri="{28A0092B-C50C-407E-A947-70E740481C1C}">
-                  <a14:useLocalDpi xmlns:a14="http://schemas.microsoft.com/office/drawing/2010/main" val="0"/>
-                </a:ext>
-              </a:extLst>
-            </a:blip>
-            <a:srcRect/>
-            <a:stretch>
-              <a:fillRect/>
-            </a:stretch>
-          </p:blipFill>
-          <p:spPr bwMode="auto">
-            <a:xfrm>
-              <a:off x="6155603" y="3968463"/>
-              <a:ext cx="5349717" cy="2522048"/>
-            </a:xfrm>
-            <a:prstGeom prst="rect">
-              <a:avLst/>
-            </a:prstGeom>
-            <a:noFill/>
-            <a:ln>
-              <a:noFill/>
-            </a:ln>
-            <a:extLst>
-              <a:ext uri="{909E8E84-426E-40DD-AFC4-6F175D3DCCD1}">
-                <a14:hiddenFill xmlns:a14="http://schemas.microsoft.com/office/drawing/2010/main">
-                  <a:solidFill>
-                    <a:schemeClr val="accent1"/>
-                  </a:solidFill>
-                </a14:hiddenFill>
-              </a:ext>
-              <a:ext uri="{91240B29-F687-4F45-9708-019B960494DF}">
-                <a14:hiddenLine xmlns:a14="http://schemas.microsoft.com/office/drawing/2010/main" w="9525">
-                  <a:solidFill>
-                    <a:schemeClr val="tx1"/>
-                  </a:solidFill>
-                  <a:miter lim="800000"/>
-                  <a:headEnd/>
-                  <a:tailEnd/>
-                </a14:hiddenLine>
-              </a:ext>
-            </a:extLst>
-          </p:spPr>
-        </p:pic>
-        <p:pic>
-          <p:nvPicPr>
-            <p:cNvPr id="5123" name="Picture 3"/>
-            <p:cNvPicPr>
-              <a:picLocks noChangeAspect="1" noChangeArrowheads="1"/>
-            </p:cNvPicPr>
-            <p:nvPr/>
-          </p:nvPicPr>
-          <p:blipFill>
-            <a:blip r:embed="rId3">
-              <a:extLst>
-                <a:ext uri="{28A0092B-C50C-407E-A947-70E740481C1C}">
-                  <a14:useLocalDpi xmlns:a14="http://schemas.microsoft.com/office/drawing/2010/main" val="0"/>
-                </a:ext>
-              </a:extLst>
-            </a:blip>
-            <a:srcRect/>
-            <a:stretch>
-              <a:fillRect/>
-            </a:stretch>
-          </p:blipFill>
-          <p:spPr bwMode="auto">
-            <a:xfrm>
-              <a:off x="9218815" y="1575409"/>
-              <a:ext cx="2244940" cy="2325117"/>
-            </a:xfrm>
-            <a:prstGeom prst="rect">
-              <a:avLst/>
-            </a:prstGeom>
-            <a:noFill/>
-            <a:ln>
-              <a:noFill/>
-            </a:ln>
-            <a:extLst>
-              <a:ext uri="{909E8E84-426E-40DD-AFC4-6F175D3DCCD1}">
-                <a14:hiddenFill xmlns:a14="http://schemas.microsoft.com/office/drawing/2010/main">
-                  <a:solidFill>
-                    <a:schemeClr val="accent1"/>
-                  </a:solidFill>
-                </a14:hiddenFill>
-              </a:ext>
-              <a:ext uri="{91240B29-F687-4F45-9708-019B960494DF}">
-                <a14:hiddenLine xmlns:a14="http://schemas.microsoft.com/office/drawing/2010/main" w="9525">
-                  <a:solidFill>
-                    <a:schemeClr val="tx1"/>
-                  </a:solidFill>
-                  <a:miter lim="800000"/>
-                  <a:headEnd/>
-                  <a:tailEnd/>
-                </a14:hiddenLine>
-              </a:ext>
-            </a:extLst>
-          </p:spPr>
-        </p:pic>
-        <p:pic>
-          <p:nvPicPr>
-            <p:cNvPr id="5127" name="Picture 7"/>
-            <p:cNvPicPr>
-              <a:picLocks noChangeAspect="1" noChangeArrowheads="1"/>
-            </p:cNvPicPr>
-            <p:nvPr/>
-          </p:nvPicPr>
-          <p:blipFill>
-            <a:blip r:embed="rId4">
-              <a:extLst>
-                <a:ext uri="{28A0092B-C50C-407E-A947-70E740481C1C}">
-                  <a14:useLocalDpi xmlns:a14="http://schemas.microsoft.com/office/drawing/2010/main" val="0"/>
-                </a:ext>
-              </a:extLst>
-            </a:blip>
-            <a:srcRect/>
-            <a:stretch>
-              <a:fillRect/>
-            </a:stretch>
-          </p:blipFill>
-          <p:spPr bwMode="auto">
-            <a:xfrm>
-              <a:off x="6516966" y="1596656"/>
-              <a:ext cx="2185074" cy="2282622"/>
-            </a:xfrm>
-            <a:prstGeom prst="rect">
-              <a:avLst/>
-            </a:prstGeom>
-            <a:noFill/>
-            <a:ln>
-              <a:noFill/>
-            </a:ln>
-            <a:extLst>
-              <a:ext uri="{909E8E84-426E-40DD-AFC4-6F175D3DCCD1}">
-                <a14:hiddenFill xmlns:a14="http://schemas.microsoft.com/office/drawing/2010/main">
-                  <a:solidFill>
-                    <a:schemeClr val="accent1"/>
-                  </a:solidFill>
-                </a14:hiddenFill>
-              </a:ext>
-              <a:ext uri="{91240B29-F687-4F45-9708-019B960494DF}">
-                <a14:hiddenLine xmlns:a14="http://schemas.microsoft.com/office/drawing/2010/main" w="9525">
-                  <a:solidFill>
-                    <a:schemeClr val="tx1"/>
-                  </a:solidFill>
-                  <a:miter lim="800000"/>
-                  <a:headEnd/>
-                  <a:tailEnd/>
-                </a14:hiddenLine>
-              </a:ext>
-            </a:extLst>
-          </p:spPr>
-        </p:pic>
-      </p:grpSp>
-      <p:pic>
-        <p:nvPicPr>
-          <p:cNvPr id="5129" name="Picture 9"/>
-          <p:cNvPicPr>
-            <a:picLocks noChangeAspect="1" noChangeArrowheads="1"/>
-          </p:cNvPicPr>
-          <p:nvPr/>
-        </p:nvPicPr>
-        <p:blipFill>
-          <a:blip r:embed="rId5">
-            <a:extLst>
-              <a:ext uri="{28A0092B-C50C-407E-A947-70E740481C1C}">
-                <a14:useLocalDpi xmlns:a14="http://schemas.microsoft.com/office/drawing/2010/main" val="0"/>
-              </a:ext>
-            </a:extLst>
-          </a:blip>
-          <a:srcRect/>
-          <a:stretch>
-            <a:fillRect/>
-          </a:stretch>
-        </p:blipFill>
-        <p:spPr bwMode="auto">
-          <a:xfrm>
-            <a:off x="6824633" y="2048188"/>
-            <a:ext cx="4812571" cy="3853079"/>
-          </a:xfrm>
-          <a:prstGeom prst="rect">
-            <a:avLst/>
-          </a:prstGeom>
-          <a:noFill/>
-          <a:ln>
-            <a:noFill/>
-          </a:ln>
-          <a:extLst>
-            <a:ext uri="{909E8E84-426E-40DD-AFC4-6F175D3DCCD1}">
-              <a14:hiddenFill xmlns:a14="http://schemas.microsoft.com/office/drawing/2010/main">
-                <a:solidFill>
-                  <a:schemeClr val="accent1"/>
-                </a:solidFill>
-              </a14:hiddenFill>
-            </a:ext>
-            <a:ext uri="{91240B29-F687-4F45-9708-019B960494DF}">
-              <a14:hiddenLine xmlns:a14="http://schemas.microsoft.com/office/drawing/2010/main" w="9525">
-                <a:solidFill>
-                  <a:schemeClr val="tx1"/>
-                </a:solidFill>
-                <a:miter lim="800000"/>
-                <a:headEnd/>
-                <a:tailEnd/>
-              </a14:hiddenLine>
-            </a:ext>
-          </a:extLst>
-        </p:spPr>
-      </p:pic>
+          </a:p>
+        </p:txBody>
+      </p:sp>
       <p:sp>
         <p:nvSpPr>
           <p:cNvPr id="4" name="ZoneTexte 3"/>
@@ -12238,7 +12113,7 @@
         </p:nvSpPr>
         <p:spPr>
           <a:xfrm>
-            <a:off x="7390015" y="1692106"/>
+            <a:off x="7390015" y="1500907"/>
             <a:ext cx="3879588" cy="369332"/>
           </a:xfrm>
           <a:prstGeom prst="rect">
@@ -12260,6 +12135,97 @@
           </a:p>
         </p:txBody>
       </p:sp>
+      <p:sp>
+        <p:nvSpPr>
+          <p:cNvPr id="5" name="ZoneTexte 4"/>
+          <p:cNvSpPr txBox="1"/>
+          <p:nvPr/>
+        </p:nvSpPr>
+        <p:spPr>
+          <a:xfrm>
+            <a:off x="2152305" y="3762958"/>
+            <a:ext cx="2533066" cy="307777"/>
+          </a:xfrm>
+          <a:prstGeom prst="rect">
+            <a:avLst/>
+          </a:prstGeom>
+          <a:noFill/>
+        </p:spPr>
+        <p:txBody>
+          <a:bodyPr wrap="none" rtlCol="0">
+            <a:spAutoFit/>
+          </a:bodyPr>
+          <a:lstStyle/>
+          <a:p>
+            <a:r>
+              <a:rPr lang="fr-FR" sz="1400" i="1" dirty="0" smtClean="0"/>
+              <a:t>Image calibration à 700nm</a:t>
+            </a:r>
+            <a:endParaRPr lang="fr-FR" sz="1400" i="1" dirty="0"/>
+          </a:p>
+        </p:txBody>
+      </p:sp>
+      <p:sp>
+        <p:nvSpPr>
+          <p:cNvPr id="7" name="Rectangle 6"/>
+          <p:cNvSpPr/>
+          <p:nvPr/>
+        </p:nvSpPr>
+        <p:spPr>
+          <a:xfrm>
+            <a:off x="6732943" y="5776576"/>
+            <a:ext cx="4995949" cy="923330"/>
+          </a:xfrm>
+          <a:prstGeom prst="rect">
+            <a:avLst/>
+          </a:prstGeom>
+        </p:spPr>
+        <p:txBody>
+          <a:bodyPr wrap="square">
+            <a:spAutoFit/>
+          </a:bodyPr>
+          <a:lstStyle/>
+          <a:p>
+            <a:r>
+              <a:rPr lang="fr-FR" dirty="0"/>
+              <a:t>La tâche d’Airy contient des informations sur la localisation dans un plan, mais aussi sur le positionnement axial.</a:t>
+            </a:r>
+          </a:p>
+        </p:txBody>
+      </p:sp>
+      <p:cxnSp>
+        <p:nvCxnSpPr>
+          <p:cNvPr id="9" name="Connecteur droit 8"/>
+          <p:cNvCxnSpPr/>
+          <p:nvPr/>
+        </p:nvCxnSpPr>
+        <p:spPr>
+          <a:xfrm>
+            <a:off x="9377078" y="2335184"/>
+            <a:ext cx="0" cy="2942705"/>
+          </a:xfrm>
+          <a:prstGeom prst="line">
+            <a:avLst/>
+          </a:prstGeom>
+          <a:ln>
+            <a:prstDash val="sysDot"/>
+          </a:ln>
+        </p:spPr>
+        <p:style>
+          <a:lnRef idx="1">
+            <a:schemeClr val="accent1"/>
+          </a:lnRef>
+          <a:fillRef idx="0">
+            <a:schemeClr val="accent1"/>
+          </a:fillRef>
+          <a:effectRef idx="0">
+            <a:schemeClr val="accent1"/>
+          </a:effectRef>
+          <a:fontRef idx="minor">
+            <a:schemeClr val="tx1"/>
+          </a:fontRef>
+        </p:style>
+      </p:cxnSp>
     </p:spTree>
     <p:extLst>
       <p:ext uri="{BB962C8B-B14F-4D97-AF65-F5344CB8AC3E}">
@@ -12271,15 +12237,11 @@
     <a:masterClrMapping/>
   </p:clrMapOvr>
   <mc:AlternateContent xmlns:mc="http://schemas.openxmlformats.org/markup-compatibility/2006">
-    <mc:Choice xmlns:p15="http://schemas.microsoft.com/office/powerpoint/2012/main" xmlns="" Requires="p15">
-      <p:transition xmlns:p14="http://schemas.microsoft.com/office/powerpoint/2010/main" spd="slow" p14:dur="1250">
-        <p15:prstTrans prst="peelOff"/>
-      </p:transition>
+    <mc:Choice xmlns:p14="http://schemas.microsoft.com/office/powerpoint/2010/main" Requires="p14">
+      <p:transition p14:dur="0"/>
     </mc:Choice>
     <mc:Fallback>
-      <p:transition spd="slow">
-        <p:fade/>
-      </p:transition>
+      <p:transition/>
     </mc:Fallback>
   </mc:AlternateContent>
   <p:timing>
@@ -12555,15 +12517,7 @@
             </a:pPr>
             <a:r>
               <a:rPr lang="fr-FR" sz="2400" b="1" dirty="0" smtClean="0"/>
-              <a:t>Création de </a:t>
-            </a:r>
-            <a:r>
-              <a:rPr lang="fr-FR" sz="2400" b="1" dirty="0" smtClean="0"/>
-              <a:t>courbes </a:t>
-            </a:r>
-            <a:r>
-              <a:rPr lang="fr-FR" sz="2400" b="1" dirty="0" smtClean="0"/>
-              <a:t>de calibrations:</a:t>
+              <a:t>Création de courbes de calibrations:</a:t>
             </a:r>
           </a:p>
           <a:p>
@@ -13055,7 +13009,6 @@
               <a:rPr lang="fr-FR" sz="2400" b="1" dirty="0" smtClean="0"/>
               <a:t>Détermination de la position axiale:</a:t>
             </a:r>
-            <a:endParaRPr lang="fr-FR" sz="2400" b="1" dirty="0" smtClean="0"/>
           </a:p>
           <a:p>
             <a:pPr marL="446088" indent="-358775">
@@ -13066,7 +13019,6 @@
               <a:rPr lang="fr-FR" sz="2400" dirty="0" smtClean="0"/>
               <a:t> </a:t>
             </a:r>
-            <a:endParaRPr lang="fr-FR" sz="2400" dirty="0" smtClean="0"/>
           </a:p>
         </p:txBody>
       </p:sp>
@@ -13081,15 +13033,11 @@
     <a:masterClrMapping/>
   </p:clrMapOvr>
   <mc:AlternateContent xmlns:mc="http://schemas.openxmlformats.org/markup-compatibility/2006">
-    <mc:Choice xmlns:p15="http://schemas.microsoft.com/office/powerpoint/2012/main" xmlns="" Requires="p15">
-      <p:transition xmlns:p14="http://schemas.microsoft.com/office/powerpoint/2010/main" spd="slow" p14:dur="1250">
-        <p15:prstTrans prst="peelOff"/>
-      </p:transition>
+    <mc:Choice xmlns:p14="http://schemas.microsoft.com/office/powerpoint/2010/main" Requires="p14">
+      <p:transition p14:dur="0"/>
     </mc:Choice>
     <mc:Fallback>
-      <p:transition spd="slow">
-        <p:fade/>
-      </p:transition>
+      <p:transition/>
     </mc:Fallback>
   </mc:AlternateContent>
   <p:timing>
@@ -13407,13 +13355,13 @@
     <a:masterClrMapping/>
   </p:clrMapOvr>
   <mc:AlternateContent xmlns:mc="http://schemas.openxmlformats.org/markup-compatibility/2006">
-    <mc:Choice xmlns:p15="http://schemas.microsoft.com/office/powerpoint/2012/main" xmlns="" Requires="p15">
-      <p:transition xmlns:p14="http://schemas.microsoft.com/office/powerpoint/2010/main" spd="slow" p14:dur="1250">
-        <p15:prstTrans prst="peelOff"/>
+    <mc:Choice xmlns:p14="http://schemas.microsoft.com/office/powerpoint/2010/main" Requires="p14">
+      <p:transition spd="med" p14:dur="700">
+        <p:fade/>
       </p:transition>
     </mc:Choice>
     <mc:Fallback>
-      <p:transition spd="slow">
+      <p:transition spd="med">
         <p:fade/>
       </p:transition>
     </mc:Fallback>
@@ -13473,8 +13421,18 @@
             </a:pPr>
             <a:r>
               <a:rPr lang="fr-FR" sz="2800" u="sng" dirty="0" smtClean="0"/>
-              <a:t>II. </a:t>
-            </a:r>
+              <a:t>III</a:t>
+            </a:r>
+            <a:r>
+              <a:rPr lang="fr-FR" sz="2800" u="sng" dirty="0"/>
+              <a:t>. Détermination de la position axiale </a:t>
+            </a:r>
+          </a:p>
+          <a:p>
+            <a:pPr>
+              <a:buFont typeface="Wingdings" panose="05000000000000000000" pitchFamily="2" charset="2"/>
+              <a:buChar char="v"/>
+            </a:pPr>
             <a:endParaRPr lang="fr-FR" sz="2800" dirty="0" smtClean="0"/>
           </a:p>
           <a:p>
@@ -13802,15 +13760,11 @@
     <a:masterClrMapping/>
   </p:clrMapOvr>
   <mc:AlternateContent xmlns:mc="http://schemas.openxmlformats.org/markup-compatibility/2006">
-    <mc:Choice xmlns:p15="http://schemas.microsoft.com/office/powerpoint/2012/main" xmlns="" Requires="p15">
-      <p:transition xmlns:p14="http://schemas.microsoft.com/office/powerpoint/2010/main" spd="slow" p14:dur="1250">
-        <p15:prstTrans prst="peelOff"/>
-      </p:transition>
+    <mc:Choice xmlns:p14="http://schemas.microsoft.com/office/powerpoint/2010/main" Requires="p14">
+      <p:transition p14:dur="0"/>
     </mc:Choice>
     <mc:Fallback>
-      <p:transition spd="slow">
-        <p:fade/>
-      </p:transition>
+      <p:transition/>
     </mc:Fallback>
   </mc:AlternateContent>
   <p:timing>
@@ -13868,12 +13822,17 @@
             </a:pPr>
             <a:r>
               <a:rPr lang="fr-FR" sz="2800" u="sng" dirty="0" smtClean="0"/>
-              <a:t>II. Traitements préliminaires</a:t>
-            </a:r>
-          </a:p>
-          <a:p>
-            <a:pPr marL="0" indent="0">
-              <a:buNone/>
+              <a:t>III</a:t>
+            </a:r>
+            <a:r>
+              <a:rPr lang="fr-FR" sz="2800" u="sng" dirty="0"/>
+              <a:t>. Détermination de la position axiale </a:t>
+            </a:r>
+          </a:p>
+          <a:p>
+            <a:pPr>
+              <a:buFont typeface="Wingdings" panose="05000000000000000000" pitchFamily="2" charset="2"/>
+              <a:buChar char="v"/>
             </a:pPr>
             <a:endParaRPr lang="fr-FR" sz="2800" dirty="0" smtClean="0"/>
           </a:p>
@@ -13882,274 +13841,13 @@
               <a:buNone/>
             </a:pPr>
             <a:endParaRPr lang="fr-FR" sz="2800" dirty="0"/>
-          </a:p>
-        </p:txBody>
-      </p:sp>
-      <p:sp>
-        <p:nvSpPr>
-          <p:cNvPr id="6" name="Espace réservé du contenu 2"/>
-          <p:cNvSpPr txBox="1">
-            <a:spLocks/>
-          </p:cNvSpPr>
-          <p:nvPr/>
-        </p:nvSpPr>
-        <p:spPr>
-          <a:xfrm>
-            <a:off x="1215765" y="989214"/>
-            <a:ext cx="8915400" cy="5692635"/>
-          </a:xfrm>
-          <a:prstGeom prst="rect">
-            <a:avLst/>
-          </a:prstGeom>
-        </p:spPr>
-        <p:txBody>
-          <a:bodyPr vert="horz" lIns="91440" tIns="72000" rIns="91440" bIns="45720" rtlCol="0">
-            <a:noAutofit/>
-          </a:bodyPr>
-          <a:lstStyle>
-            <a:lvl1pPr marL="342900" indent="-342900" algn="l" defTabSz="457200" rtl="0" eaLnBrk="1" latinLnBrk="0" hangingPunct="1">
-              <a:spcBef>
-                <a:spcPts val="1000"/>
-              </a:spcBef>
-              <a:spcAft>
-                <a:spcPts val="0"/>
-              </a:spcAft>
-              <a:buClr>
-                <a:schemeClr val="accent1"/>
-              </a:buClr>
-              <a:buFont typeface="Wingdings 3" charset="2"/>
-              <a:buChar char=""/>
-              <a:defRPr sz="1800" kern="1200">
-                <a:solidFill>
-                  <a:schemeClr val="tx1">
-                    <a:lumMod val="75000"/>
-                    <a:lumOff val="25000"/>
-                  </a:schemeClr>
-                </a:solidFill>
-                <a:latin typeface="+mn-lt"/>
-                <a:ea typeface="+mn-ea"/>
-                <a:cs typeface="+mn-cs"/>
-              </a:defRPr>
-            </a:lvl1pPr>
-            <a:lvl2pPr marL="742950" indent="-285750" algn="l" defTabSz="457200" rtl="0" eaLnBrk="1" latinLnBrk="0" hangingPunct="1">
-              <a:spcBef>
-                <a:spcPts val="1000"/>
-              </a:spcBef>
-              <a:spcAft>
-                <a:spcPts val="0"/>
-              </a:spcAft>
-              <a:buClr>
-                <a:schemeClr val="accent1"/>
-              </a:buClr>
-              <a:buFont typeface="Wingdings 3" charset="2"/>
-              <a:buChar char=""/>
-              <a:defRPr sz="1600" kern="1200">
-                <a:solidFill>
-                  <a:schemeClr val="tx1">
-                    <a:lumMod val="75000"/>
-                    <a:lumOff val="25000"/>
-                  </a:schemeClr>
-                </a:solidFill>
-                <a:latin typeface="+mn-lt"/>
-                <a:ea typeface="+mn-ea"/>
-                <a:cs typeface="+mn-cs"/>
-              </a:defRPr>
-            </a:lvl2pPr>
-            <a:lvl3pPr marL="1143000" indent="-228600" algn="l" defTabSz="457200" rtl="0" eaLnBrk="1" latinLnBrk="0" hangingPunct="1">
-              <a:spcBef>
-                <a:spcPts val="1000"/>
-              </a:spcBef>
-              <a:spcAft>
-                <a:spcPts val="0"/>
-              </a:spcAft>
-              <a:buClr>
-                <a:schemeClr val="accent1"/>
-              </a:buClr>
-              <a:buFont typeface="Wingdings 3" charset="2"/>
-              <a:buChar char=""/>
-              <a:defRPr sz="1400" kern="1200">
-                <a:solidFill>
-                  <a:schemeClr val="tx1">
-                    <a:lumMod val="75000"/>
-                    <a:lumOff val="25000"/>
-                  </a:schemeClr>
-                </a:solidFill>
-                <a:latin typeface="+mn-lt"/>
-                <a:ea typeface="+mn-ea"/>
-                <a:cs typeface="+mn-cs"/>
-              </a:defRPr>
-            </a:lvl3pPr>
-            <a:lvl4pPr marL="1600200" indent="-228600" algn="l" defTabSz="457200" rtl="0" eaLnBrk="1" latinLnBrk="0" hangingPunct="1">
-              <a:spcBef>
-                <a:spcPts val="1000"/>
-              </a:spcBef>
-              <a:spcAft>
-                <a:spcPts val="0"/>
-              </a:spcAft>
-              <a:buClr>
-                <a:schemeClr val="accent1"/>
-              </a:buClr>
-              <a:buFont typeface="Wingdings 3" charset="2"/>
-              <a:buChar char=""/>
-              <a:defRPr sz="1200" kern="1200">
-                <a:solidFill>
-                  <a:schemeClr val="tx1">
-                    <a:lumMod val="75000"/>
-                    <a:lumOff val="25000"/>
-                  </a:schemeClr>
-                </a:solidFill>
-                <a:latin typeface="+mn-lt"/>
-                <a:ea typeface="+mn-ea"/>
-                <a:cs typeface="+mn-cs"/>
-              </a:defRPr>
-            </a:lvl4pPr>
-            <a:lvl5pPr marL="2057400" indent="-228600" algn="l" defTabSz="457200" rtl="0" eaLnBrk="1" latinLnBrk="0" hangingPunct="1">
-              <a:spcBef>
-                <a:spcPts val="1000"/>
-              </a:spcBef>
-              <a:spcAft>
-                <a:spcPts val="0"/>
-              </a:spcAft>
-              <a:buClr>
-                <a:schemeClr val="accent1"/>
-              </a:buClr>
-              <a:buFont typeface="Wingdings 3" charset="2"/>
-              <a:buChar char=""/>
-              <a:defRPr sz="1200" kern="1200">
-                <a:solidFill>
-                  <a:schemeClr val="tx1">
-                    <a:lumMod val="75000"/>
-                    <a:lumOff val="25000"/>
-                  </a:schemeClr>
-                </a:solidFill>
-                <a:latin typeface="+mn-lt"/>
-                <a:ea typeface="+mn-ea"/>
-                <a:cs typeface="+mn-cs"/>
-              </a:defRPr>
-            </a:lvl5pPr>
-            <a:lvl6pPr marL="2514600" indent="-228600" algn="l" defTabSz="457200" rtl="0" eaLnBrk="1" latinLnBrk="0" hangingPunct="1">
-              <a:spcBef>
-                <a:spcPts val="1000"/>
-              </a:spcBef>
-              <a:spcAft>
-                <a:spcPts val="0"/>
-              </a:spcAft>
-              <a:buClr>
-                <a:schemeClr val="accent1"/>
-              </a:buClr>
-              <a:buFont typeface="Wingdings 3" charset="2"/>
-              <a:buChar char=""/>
-              <a:defRPr sz="1200" kern="1200">
-                <a:solidFill>
-                  <a:schemeClr val="tx1">
-                    <a:lumMod val="75000"/>
-                    <a:lumOff val="25000"/>
-                  </a:schemeClr>
-                </a:solidFill>
-                <a:latin typeface="+mn-lt"/>
-                <a:ea typeface="+mn-ea"/>
-                <a:cs typeface="+mn-cs"/>
-              </a:defRPr>
-            </a:lvl6pPr>
-            <a:lvl7pPr marL="2971800" indent="-228600" algn="l" defTabSz="457200" rtl="0" eaLnBrk="1" latinLnBrk="0" hangingPunct="1">
-              <a:spcBef>
-                <a:spcPts val="1000"/>
-              </a:spcBef>
-              <a:spcAft>
-                <a:spcPts val="0"/>
-              </a:spcAft>
-              <a:buClr>
-                <a:schemeClr val="accent1"/>
-              </a:buClr>
-              <a:buFont typeface="Wingdings 3" charset="2"/>
-              <a:buChar char=""/>
-              <a:defRPr sz="1200" kern="1200">
-                <a:solidFill>
-                  <a:schemeClr val="tx1">
-                    <a:lumMod val="75000"/>
-                    <a:lumOff val="25000"/>
-                  </a:schemeClr>
-                </a:solidFill>
-                <a:latin typeface="+mn-lt"/>
-                <a:ea typeface="+mn-ea"/>
-                <a:cs typeface="+mn-cs"/>
-              </a:defRPr>
-            </a:lvl7pPr>
-            <a:lvl8pPr marL="3429000" indent="-228600" algn="l" defTabSz="457200" rtl="0" eaLnBrk="1" latinLnBrk="0" hangingPunct="1">
-              <a:spcBef>
-                <a:spcPts val="1000"/>
-              </a:spcBef>
-              <a:spcAft>
-                <a:spcPts val="0"/>
-              </a:spcAft>
-              <a:buClr>
-                <a:schemeClr val="accent1"/>
-              </a:buClr>
-              <a:buFont typeface="Wingdings 3" charset="2"/>
-              <a:buChar char=""/>
-              <a:defRPr sz="1200" kern="1200">
-                <a:solidFill>
-                  <a:schemeClr val="tx1">
-                    <a:lumMod val="75000"/>
-                    <a:lumOff val="25000"/>
-                  </a:schemeClr>
-                </a:solidFill>
-                <a:latin typeface="+mn-lt"/>
-                <a:ea typeface="+mn-ea"/>
-                <a:cs typeface="+mn-cs"/>
-              </a:defRPr>
-            </a:lvl8pPr>
-            <a:lvl9pPr marL="3886200" indent="-228600" algn="l" defTabSz="457200" rtl="0" eaLnBrk="1" latinLnBrk="0" hangingPunct="1">
-              <a:spcBef>
-                <a:spcPts val="1000"/>
-              </a:spcBef>
-              <a:spcAft>
-                <a:spcPts val="0"/>
-              </a:spcAft>
-              <a:buClr>
-                <a:schemeClr val="accent1"/>
-              </a:buClr>
-              <a:buFont typeface="Wingdings 3" charset="2"/>
-              <a:buChar char=""/>
-              <a:defRPr sz="1200" kern="1200">
-                <a:solidFill>
-                  <a:schemeClr val="tx1">
-                    <a:lumMod val="75000"/>
-                    <a:lumOff val="25000"/>
-                  </a:schemeClr>
-                </a:solidFill>
-                <a:latin typeface="+mn-lt"/>
-                <a:ea typeface="+mn-ea"/>
-                <a:cs typeface="+mn-cs"/>
-              </a:defRPr>
-            </a:lvl9pPr>
-          </a:lstStyle>
-          <a:p>
-            <a:pPr marL="446088" indent="-358775">
-              <a:buFont typeface="Wingdings 3" charset="2"/>
-              <a:buNone/>
-            </a:pPr>
-            <a:r>
-              <a:rPr lang="fr-FR" sz="2400" b="1" dirty="0" smtClean="0"/>
-              <a:t>Création de courbes de calibrations:</a:t>
-            </a:r>
-          </a:p>
-          <a:p>
-            <a:pPr marL="446088" indent="-358775">
-              <a:buFont typeface="Wingdings 3" charset="2"/>
-              <a:buNone/>
-            </a:pPr>
-            <a:r>
-              <a:rPr lang="fr-FR" sz="2400" dirty="0" smtClean="0"/>
-              <a:t> </a:t>
-            </a:r>
           </a:p>
         </p:txBody>
       </p:sp>
     </p:spTree>
     <p:extLst>
       <p:ext uri="{BB962C8B-B14F-4D97-AF65-F5344CB8AC3E}">
-        <p14:creationId xmlns:p14="http://schemas.microsoft.com/office/powerpoint/2010/main" val="4242718491"/>
+        <p14:creationId xmlns:p14="http://schemas.microsoft.com/office/powerpoint/2010/main" val="3746647577"/>
       </p:ext>
     </p:extLst>
   </p:cSld>
@@ -14157,15 +13855,11 @@
     <a:masterClrMapping/>
   </p:clrMapOvr>
   <mc:AlternateContent xmlns:mc="http://schemas.openxmlformats.org/markup-compatibility/2006">
-    <mc:Choice xmlns:p15="http://schemas.microsoft.com/office/powerpoint/2012/main" xmlns="" Requires="p15">
-      <p:transition xmlns:p14="http://schemas.microsoft.com/office/powerpoint/2010/main" spd="slow" p14:dur="1250">
-        <p15:prstTrans prst="peelOff"/>
-      </p:transition>
+    <mc:Choice xmlns:p14="http://schemas.microsoft.com/office/powerpoint/2010/main" Requires="p14">
+      <p:transition p14:dur="0"/>
     </mc:Choice>
     <mc:Fallback>
-      <p:transition spd="slow">
-        <p:fade/>
-      </p:transition>
+      <p:transition/>
     </mc:Fallback>
   </mc:AlternateContent>
   <p:timing>
@@ -14222,14 +13916,19 @@
               <a:buChar char="v"/>
             </a:pPr>
             <a:r>
+              <a:rPr lang="fr-FR" sz="2800" u="sng" dirty="0"/>
+              <a:t>III. Détermination de la position axiale </a:t>
+            </a:r>
+          </a:p>
+          <a:p>
+            <a:pPr>
+              <a:buFont typeface="Wingdings" panose="05000000000000000000" pitchFamily="2" charset="2"/>
+              <a:buChar char="v"/>
+            </a:pPr>
+            <a:r>
               <a:rPr lang="fr-FR" sz="2800" u="sng" dirty="0" smtClean="0"/>
-              <a:t>II. Traitements préliminaires</a:t>
-            </a:r>
-          </a:p>
-          <a:p>
-            <a:pPr marL="0" indent="0">
-              <a:buNone/>
-            </a:pPr>
+              <a:t> </a:t>
+            </a:r>
             <a:endParaRPr lang="fr-FR" sz="2800" dirty="0" smtClean="0"/>
           </a:p>
           <a:p>
@@ -14554,15 +14253,11 @@
     <a:masterClrMapping/>
   </p:clrMapOvr>
   <mc:AlternateContent xmlns:mc="http://schemas.openxmlformats.org/markup-compatibility/2006">
-    <mc:Choice xmlns:p15="http://schemas.microsoft.com/office/powerpoint/2012/main" xmlns="" Requires="p15">
-      <p:transition xmlns:p14="http://schemas.microsoft.com/office/powerpoint/2010/main" spd="slow" p14:dur="1250">
-        <p15:prstTrans prst="peelOff"/>
-      </p:transition>
+    <mc:Choice xmlns:p14="http://schemas.microsoft.com/office/powerpoint/2010/main" Requires="p14">
+      <p:transition p14:dur="0"/>
     </mc:Choice>
     <mc:Fallback>
-      <p:transition spd="slow">
-        <p:fade/>
-      </p:transition>
+      <p:transition/>
     </mc:Fallback>
   </mc:AlternateContent>
   <p:timing>
@@ -14576,88 +14271,6 @@
 </file>
 
 <file path=ppt/slides/slide16.xml><?xml version="1.0" encoding="utf-8"?>
-<p:sld xmlns:a="http://schemas.openxmlformats.org/drawingml/2006/main" xmlns:r="http://schemas.openxmlformats.org/officeDocument/2006/relationships" xmlns:p="http://schemas.openxmlformats.org/presentationml/2006/main" showMasterSp="0">
-  <p:cSld>
-    <p:spTree>
-      <p:nvGrpSpPr>
-        <p:cNvPr id="1" name=""/>
-        <p:cNvGrpSpPr/>
-        <p:nvPr/>
-      </p:nvGrpSpPr>
-      <p:grpSpPr>
-        <a:xfrm>
-          <a:off x="0" y="0"/>
-          <a:ext cx="0" cy="0"/>
-          <a:chOff x="0" y="0"/>
-          <a:chExt cx="0" cy="0"/>
-        </a:xfrm>
-      </p:grpSpPr>
-      <p:sp>
-        <p:nvSpPr>
-          <p:cNvPr id="3" name="Espace réservé du contenu 2"/>
-          <p:cNvSpPr>
-            <a:spLocks noGrp="1"/>
-          </p:cNvSpPr>
-          <p:nvPr>
-            <p:ph idx="1"/>
-          </p:nvPr>
-        </p:nvSpPr>
-        <p:spPr>
-          <a:xfrm>
-            <a:off x="1878012" y="274912"/>
-            <a:ext cx="8915400" cy="6212974"/>
-          </a:xfrm>
-        </p:spPr>
-        <p:txBody>
-          <a:bodyPr tIns="72000">
-            <a:noAutofit/>
-          </a:bodyPr>
-          <a:lstStyle/>
-          <a:p>
-            <a:pPr>
-              <a:buFont typeface="Wingdings" panose="05000000000000000000" pitchFamily="2" charset="2"/>
-              <a:buChar char="v"/>
-            </a:pPr>
-            <a:r>
-              <a:rPr lang="fr-FR" sz="2800" u="sng" dirty="0" smtClean="0"/>
-              <a:t>III. Détermination de la position axiale </a:t>
-            </a:r>
-          </a:p>
-        </p:txBody>
-      </p:sp>
-    </p:spTree>
-    <p:extLst>
-      <p:ext uri="{BB962C8B-B14F-4D97-AF65-F5344CB8AC3E}">
-        <p14:creationId xmlns:p14="http://schemas.microsoft.com/office/powerpoint/2010/main" val="1899768230"/>
-      </p:ext>
-    </p:extLst>
-  </p:cSld>
-  <p:clrMapOvr>
-    <a:masterClrMapping/>
-  </p:clrMapOvr>
-  <mc:AlternateContent xmlns:mc="http://schemas.openxmlformats.org/markup-compatibility/2006">
-    <mc:Choice xmlns:p15="http://schemas.microsoft.com/office/powerpoint/2012/main" xmlns="" Requires="p15">
-      <p:transition xmlns:p14="http://schemas.microsoft.com/office/powerpoint/2010/main" spd="slow" p14:dur="1250">
-        <p15:prstTrans prst="peelOff"/>
-      </p:transition>
-    </mc:Choice>
-    <mc:Fallback>
-      <p:transition spd="slow">
-        <p:fade/>
-      </p:transition>
-    </mc:Fallback>
-  </mc:AlternateContent>
-  <p:timing>
-    <p:tnLst>
-      <p:par>
-        <p:cTn id="1" dur="indefinite" restart="never" nodeType="tmRoot"/>
-      </p:par>
-    </p:tnLst>
-  </p:timing>
-</p:sld>
-</file>
-
-<file path=ppt/slides/slide17.xml><?xml version="1.0" encoding="utf-8"?>
 <p:sld xmlns:a="http://schemas.openxmlformats.org/drawingml/2006/main" xmlns:r="http://schemas.openxmlformats.org/officeDocument/2006/relationships" xmlns:p="http://schemas.openxmlformats.org/presentationml/2006/main" showMasterSp="0">
   <p:cSld>
     <p:bg>
@@ -14971,7 +14584,7 @@
     <a:masterClrMapping/>
   </p:clrMapOvr>
   <mc:AlternateContent xmlns:mc="http://schemas.openxmlformats.org/markup-compatibility/2006">
-    <mc:Choice xmlns:p15="http://schemas.microsoft.com/office/powerpoint/2012/main" xmlns="" Requires="p15">
+    <mc:Choice xmlns="" xmlns:p15="http://schemas.microsoft.com/office/powerpoint/2012/main" Requires="p15">
       <p:transition xmlns:p14="http://schemas.microsoft.com/office/powerpoint/2010/main" spd="slow" p14:dur="1250">
         <p15:prstTrans prst="peelOff"/>
       </p:transition>
@@ -14992,7 +14605,7 @@
 </p:sld>
 </file>
 
-<file path=ppt/slides/slide18.xml><?xml version="1.0" encoding="utf-8"?>
+<file path=ppt/slides/slide17.xml><?xml version="1.0" encoding="utf-8"?>
 <p:sld xmlns:a="http://schemas.openxmlformats.org/drawingml/2006/main" xmlns:r="http://schemas.openxmlformats.org/officeDocument/2006/relationships" xmlns:p="http://schemas.openxmlformats.org/presentationml/2006/main" showMasterSp="0">
   <p:cSld>
     <p:spTree>
@@ -15127,7 +14740,6 @@
               <a:rPr lang="fr-FR" dirty="0" smtClean="0"/>
               <a:t>Il reste encore, à partir d’images expérimentales contenant plusieurs tâche, à isoler les tâches pour effectuer des traitements respectifs.</a:t>
             </a:r>
-            <a:endParaRPr lang="fr-FR" dirty="0" smtClean="0"/>
           </a:p>
           <a:p>
             <a:endParaRPr lang="fr-FR" dirty="0"/>
@@ -15152,15 +14764,11 @@
     <a:masterClrMapping/>
   </p:clrMapOvr>
   <mc:AlternateContent xmlns:mc="http://schemas.openxmlformats.org/markup-compatibility/2006">
-    <mc:Choice xmlns:p15="http://schemas.microsoft.com/office/powerpoint/2012/main" xmlns="" Requires="p15">
-      <p:transition xmlns:p14="http://schemas.microsoft.com/office/powerpoint/2010/main" spd="slow" p14:dur="1250">
-        <p15:prstTrans prst="peelOff"/>
-      </p:transition>
+    <mc:Choice xmlns:p14="http://schemas.microsoft.com/office/powerpoint/2010/main" Requires="p14">
+      <p:transition p14:dur="0"/>
     </mc:Choice>
     <mc:Fallback>
-      <p:transition spd="slow">
-        <p:fade/>
-      </p:transition>
+      <p:transition/>
     </mc:Fallback>
   </mc:AlternateContent>
   <p:timing>
@@ -15173,7 +14781,7 @@
 </p:sld>
 </file>
 
-<file path=ppt/slides/slide19.xml><?xml version="1.0" encoding="utf-8"?>
+<file path=ppt/slides/slide18.xml><?xml version="1.0" encoding="utf-8"?>
 <p:sld xmlns:a="http://schemas.openxmlformats.org/drawingml/2006/main" xmlns:r="http://schemas.openxmlformats.org/officeDocument/2006/relationships" xmlns:p="http://schemas.openxmlformats.org/presentationml/2006/main" showMasterSp="0">
   <p:cSld>
     <p:bg>
@@ -15256,18 +14864,9 @@
   <p:clrMapOvr>
     <a:masterClrMapping/>
   </p:clrMapOvr>
-  <mc:AlternateContent xmlns:mc="http://schemas.openxmlformats.org/markup-compatibility/2006">
-    <mc:Choice xmlns:p15="http://schemas.microsoft.com/office/powerpoint/2012/main" xmlns="" Requires="p15">
-      <p:transition xmlns:p14="http://schemas.microsoft.com/office/powerpoint/2010/main" spd="slow" p14:dur="1250">
-        <p15:prstTrans prst="peelOff"/>
-      </p:transition>
-    </mc:Choice>
-    <mc:Fallback>
-      <p:transition spd="slow">
-        <p:fade/>
-      </p:transition>
-    </mc:Fallback>
-  </mc:AlternateContent>
+  <p:transition spd="slow">
+    <p:push dir="u"/>
+  </p:transition>
   <p:timing>
     <p:tnLst>
       <p:par>
@@ -15727,15 +15326,11 @@
     <a:masterClrMapping/>
   </p:clrMapOvr>
   <mc:AlternateContent xmlns:mc="http://schemas.openxmlformats.org/markup-compatibility/2006">
-    <mc:Choice xmlns:p15="http://schemas.microsoft.com/office/powerpoint/2012/main" xmlns="" Requires="p15">
-      <p:transition xmlns:p14="http://schemas.microsoft.com/office/powerpoint/2010/main" spd="slow" p14:dur="1250">
-        <p15:prstTrans prst="peelOff"/>
-      </p:transition>
+    <mc:Choice xmlns:p14="http://schemas.microsoft.com/office/powerpoint/2010/main" Requires="p14">
+      <p:transition p14:dur="0"/>
     </mc:Choice>
     <mc:Fallback>
-      <p:transition spd="slow">
-        <p:fade/>
-      </p:transition>
+      <p:transition/>
     </mc:Fallback>
   </mc:AlternateContent>
   <p:timing>
@@ -15848,7 +15443,7 @@
         </p:nvSpPr>
         <p:spPr>
           <a:xfrm>
-            <a:off x="1805780" y="1421426"/>
+            <a:off x="2453480" y="1410292"/>
             <a:ext cx="6951216" cy="369332"/>
           </a:xfrm>
           <a:prstGeom prst="rect">
@@ -15878,7 +15473,7 @@
         </p:nvSpPr>
         <p:spPr>
           <a:xfrm>
-            <a:off x="1681493" y="2003741"/>
+            <a:off x="2512073" y="2003741"/>
             <a:ext cx="6327373" cy="2554545"/>
           </a:xfrm>
           <a:prstGeom prst="rect">
@@ -15978,7 +15573,7 @@
         </p:nvSpPr>
         <p:spPr>
           <a:xfrm>
-            <a:off x="1681493" y="3710672"/>
+            <a:off x="2512073" y="3710672"/>
             <a:ext cx="6096000" cy="1631216"/>
           </a:xfrm>
           <a:prstGeom prst="rect">
@@ -16100,15 +15695,11 @@
     <a:masterClrMapping/>
   </p:clrMapOvr>
   <mc:AlternateContent xmlns:mc="http://schemas.openxmlformats.org/markup-compatibility/2006">
-    <mc:Choice xmlns:p15="http://schemas.microsoft.com/office/powerpoint/2012/main" xmlns="" Requires="p15">
-      <p:transition xmlns:p14="http://schemas.microsoft.com/office/powerpoint/2010/main" spd="slow" p14:dur="1250">
-        <p15:prstTrans prst="peelOff"/>
-      </p:transition>
+    <mc:Choice xmlns:p14="http://schemas.microsoft.com/office/powerpoint/2010/main" Requires="p14">
+      <p:transition p14:dur="0"/>
     </mc:Choice>
     <mc:Fallback>
-      <p:transition spd="slow">
-        <p:fade/>
-      </p:transition>
+      <p:transition/>
     </mc:Fallback>
   </mc:AlternateContent>
   <p:timing>
@@ -16381,15 +15972,11 @@
     <a:masterClrMapping/>
   </p:clrMapOvr>
   <mc:AlternateContent xmlns:mc="http://schemas.openxmlformats.org/markup-compatibility/2006">
-    <mc:Choice xmlns:p15="http://schemas.microsoft.com/office/powerpoint/2012/main" xmlns="" Requires="p15">
-      <p:transition xmlns:p14="http://schemas.microsoft.com/office/powerpoint/2010/main" spd="slow" p14:dur="1250">
-        <p15:prstTrans prst="peelOff"/>
-      </p:transition>
+    <mc:Choice xmlns:p14="http://schemas.microsoft.com/office/powerpoint/2010/main" Requires="p14">
+      <p:transition p14:dur="0"/>
     </mc:Choice>
     <mc:Fallback>
-      <p:transition spd="slow">
-        <p:fade/>
-      </p:transition>
+      <p:transition/>
     </mc:Fallback>
   </mc:AlternateContent>
   <p:timing>
@@ -16724,15 +16311,11 @@
     <a:masterClrMapping/>
   </p:clrMapOvr>
   <mc:AlternateContent xmlns:mc="http://schemas.openxmlformats.org/markup-compatibility/2006">
-    <mc:Choice xmlns:p15="http://schemas.microsoft.com/office/powerpoint/2012/main" xmlns="" Requires="p15">
-      <p:transition xmlns:p14="http://schemas.microsoft.com/office/powerpoint/2010/main" spd="slow" p14:dur="1250">
-        <p15:prstTrans prst="peelOff"/>
-      </p:transition>
+    <mc:Choice xmlns:p14="http://schemas.microsoft.com/office/powerpoint/2010/main" Requires="p14">
+      <p:transition p14:dur="0"/>
     </mc:Choice>
     <mc:Fallback>
-      <p:transition spd="slow">
-        <p:fade/>
-      </p:transition>
+      <p:transition/>
     </mc:Fallback>
   </mc:AlternateContent>
   <p:timing>
@@ -16771,7 +16354,7 @@
         <p:spPr>
           <a:xfrm>
             <a:off x="2265679" y="1666240"/>
-            <a:ext cx="7992225" cy="3046988"/>
+            <a:ext cx="8211821" cy="3046988"/>
           </a:xfrm>
           <a:prstGeom prst="rect">
             <a:avLst/>
@@ -16838,7 +16421,7 @@
               <a:t>II </a:t>
             </a:r>
             <a:r>
-              <a:rPr lang="fr-FR" sz="3200" i="1" u="sng" dirty="0" err="1" smtClean="0">
+              <a:rPr lang="fr-FR" sz="3200" i="1" u="sng" dirty="0" smtClean="0">
                 <a:effectLst>
                   <a:outerShdw blurRad="38100" dist="38100" dir="2700000" algn="tl">
                     <a:srgbClr val="000000">
@@ -16847,7 +16430,7 @@
                   </a:outerShdw>
                 </a:effectLst>
               </a:rPr>
-              <a:t>Châble</a:t>
+              <a:t>Utilisation de la tâche d’Airy</a:t>
             </a:r>
             <a:endParaRPr lang="fr-FR" sz="3200" i="1" u="sng" dirty="0" smtClean="0">
               <a:effectLst>
@@ -16903,15 +16486,11 @@
     <a:masterClrMapping/>
   </p:clrMapOvr>
   <mc:AlternateContent xmlns:mc="http://schemas.openxmlformats.org/markup-compatibility/2006">
-    <mc:Choice xmlns:p15="http://schemas.microsoft.com/office/powerpoint/2012/main" xmlns="" Requires="p15">
-      <p:transition xmlns:p14="http://schemas.microsoft.com/office/powerpoint/2010/main" spd="slow" p14:dur="1250">
-        <p15:prstTrans prst="peelOff"/>
-      </p:transition>
+    <mc:Choice xmlns:p14="http://schemas.microsoft.com/office/powerpoint/2010/main" Requires="p14">
+      <p:transition p14:dur="0"/>
     </mc:Choice>
     <mc:Fallback>
-      <p:transition spd="slow">
-        <p:fade/>
-      </p:transition>
+      <p:transition/>
     </mc:Fallback>
   </mc:AlternateContent>
   <p:timing>
@@ -16969,13 +16548,8 @@
             </a:pPr>
             <a:r>
               <a:rPr lang="fr-FR" sz="2800" u="sng" dirty="0" smtClean="0"/>
-              <a:t>I. Traitements </a:t>
-            </a:r>
-            <a:r>
-              <a:rPr lang="fr-FR" sz="2800" u="sng" dirty="0" smtClean="0"/>
-              <a:t>préliminaires</a:t>
-            </a:r>
-            <a:endParaRPr lang="fr-FR" sz="2800" u="sng" dirty="0" smtClean="0"/>
+              <a:t>I. Traitements préliminaires</a:t>
+            </a:r>
           </a:p>
         </p:txBody>
       </p:sp>
@@ -17263,7 +16837,7 @@
     <a:masterClrMapping/>
   </p:clrMapOvr>
   <mc:AlternateContent xmlns:mc="http://schemas.openxmlformats.org/markup-compatibility/2006">
-    <mc:Choice xmlns:p15="http://schemas.microsoft.com/office/powerpoint/2012/main" xmlns="" Requires="p15">
+    <mc:Choice xmlns="" xmlns:p15="http://schemas.microsoft.com/office/powerpoint/2012/main" Requires="p15">
       <p:transition xmlns:p14="http://schemas.microsoft.com/office/powerpoint/2010/main" spd="slow" p14:dur="1250">
         <p15:prstTrans prst="peelOff"/>
       </p:transition>
@@ -17329,13 +16903,8 @@
             </a:pPr>
             <a:r>
               <a:rPr lang="fr-FR" sz="2800" u="sng" dirty="0" smtClean="0"/>
-              <a:t>I. Traitements </a:t>
-            </a:r>
-            <a:r>
-              <a:rPr lang="fr-FR" sz="2800" u="sng" dirty="0" smtClean="0"/>
-              <a:t>préliminaires</a:t>
-            </a:r>
-            <a:endParaRPr lang="fr-FR" sz="2800" u="sng" dirty="0" smtClean="0"/>
+              <a:t>I. Traitements préliminaires</a:t>
+            </a:r>
           </a:p>
         </p:txBody>
       </p:sp>
@@ -17507,174 +17076,114 @@
           </a:extLst>
         </p:spPr>
       </p:pic>
-      <p:grpSp>
-        <p:nvGrpSpPr>
-          <p:cNvPr id="2" name="Groupe 1"/>
-          <p:cNvGrpSpPr/>
+      <p:pic>
+        <p:nvPicPr>
+          <p:cNvPr id="2050" name="Picture 2"/>
+          <p:cNvPicPr>
+            <a:picLocks noChangeAspect="1" noChangeArrowheads="1"/>
+          </p:cNvPicPr>
           <p:nvPr/>
-        </p:nvGrpSpPr>
-        <p:grpSpPr>
-          <a:xfrm>
-            <a:off x="4416882" y="1346510"/>
-            <a:ext cx="6417426" cy="2689752"/>
-            <a:chOff x="4413274" y="1221971"/>
-            <a:chExt cx="7141417" cy="2942555"/>
-          </a:xfrm>
-        </p:grpSpPr>
-        <p:sp>
-          <p:nvSpPr>
-            <p:cNvPr id="18" name="Flèche droite 17"/>
-            <p:cNvSpPr/>
-            <p:nvPr/>
-          </p:nvSpPr>
-          <p:spPr>
-            <a:xfrm>
-              <a:off x="7395090" y="2487242"/>
-              <a:ext cx="1141237" cy="385736"/>
-            </a:xfrm>
-            <a:prstGeom prst="rightArrow">
-              <a:avLst/>
-            </a:prstGeom>
-            <a:solidFill>
-              <a:schemeClr val="accent1">
-                <a:alpha val="46000"/>
-              </a:schemeClr>
-            </a:solidFill>
-          </p:spPr>
-          <p:style>
-            <a:lnRef idx="2">
-              <a:schemeClr val="accent1">
-                <a:shade val="50000"/>
-              </a:schemeClr>
-            </a:lnRef>
-            <a:fillRef idx="1">
-              <a:schemeClr val="accent1"/>
-            </a:fillRef>
-            <a:effectRef idx="0">
-              <a:schemeClr val="accent1"/>
-            </a:effectRef>
-            <a:fontRef idx="minor">
-              <a:schemeClr val="lt1"/>
-            </a:fontRef>
-          </p:style>
-          <p:txBody>
-            <a:bodyPr rtlCol="0" anchor="ctr"/>
-            <a:lstStyle/>
-            <a:p>
-              <a:pPr algn="ctr"/>
-              <a:endParaRPr lang="fr-FR"/>
-            </a:p>
-          </p:txBody>
-        </p:sp>
-        <p:pic>
-          <p:nvPicPr>
-            <p:cNvPr id="2050" name="Picture 2"/>
-            <p:cNvPicPr>
-              <a:picLocks noChangeAspect="1" noChangeArrowheads="1"/>
-            </p:cNvPicPr>
-            <p:nvPr/>
-          </p:nvPicPr>
-          <p:blipFill>
-            <a:blip r:embed="rId4">
-              <a:extLst>
-                <a:ext uri="{28A0092B-C50C-407E-A947-70E740481C1C}">
-                  <a14:useLocalDpi xmlns:a14="http://schemas.microsoft.com/office/drawing/2010/main" val="0"/>
-                </a:ext>
-              </a:extLst>
-            </a:blip>
-            <a:srcRect/>
-            <a:stretch>
-              <a:fillRect/>
-            </a:stretch>
-          </p:blipFill>
-          <p:spPr bwMode="auto">
-            <a:xfrm>
-              <a:off x="4413274" y="1221971"/>
-              <a:ext cx="2835424" cy="2942555"/>
-            </a:xfrm>
-            <a:prstGeom prst="rect">
-              <a:avLst/>
-            </a:prstGeom>
-            <a:noFill/>
-            <a:ln>
-              <a:noFill/>
-            </a:ln>
+        </p:nvPicPr>
+        <p:blipFill>
+          <a:blip r:embed="rId4">
             <a:extLst>
-              <a:ext uri="{909E8E84-426E-40DD-AFC4-6F175D3DCCD1}">
-                <a14:hiddenFill xmlns:a14="http://schemas.microsoft.com/office/drawing/2010/main">
-                  <a:solidFill>
-                    <a:schemeClr val="accent1"/>
-                  </a:solidFill>
-                </a14:hiddenFill>
-              </a:ext>
-              <a:ext uri="{91240B29-F687-4F45-9708-019B960494DF}">
-                <a14:hiddenLine xmlns:a14="http://schemas.microsoft.com/office/drawing/2010/main" w="9525">
-                  <a:solidFill>
-                    <a:schemeClr val="tx1"/>
-                  </a:solidFill>
-                  <a:miter lim="800000"/>
-                  <a:headEnd/>
-                  <a:tailEnd/>
-                </a14:hiddenLine>
+              <a:ext uri="{28A0092B-C50C-407E-A947-70E740481C1C}">
+                <a14:useLocalDpi xmlns:a14="http://schemas.microsoft.com/office/drawing/2010/main" val="0"/>
               </a:ext>
             </a:extLst>
-          </p:spPr>
-        </p:pic>
-        <p:pic>
-          <p:nvPicPr>
-            <p:cNvPr id="2051" name="Picture 3"/>
-            <p:cNvPicPr>
-              <a:picLocks noChangeAspect="1" noChangeArrowheads="1"/>
-            </p:cNvPicPr>
-            <p:nvPr/>
-          </p:nvPicPr>
-          <p:blipFill>
-            <a:blip r:embed="rId5">
-              <a:extLst>
-                <a:ext uri="{28A0092B-C50C-407E-A947-70E740481C1C}">
-                  <a14:useLocalDpi xmlns:a14="http://schemas.microsoft.com/office/drawing/2010/main" val="0"/>
-                </a:ext>
-              </a:extLst>
-            </a:blip>
-            <a:srcRect/>
-            <a:stretch>
-              <a:fillRect/>
-            </a:stretch>
-          </p:blipFill>
-          <p:spPr bwMode="auto">
-            <a:xfrm>
-              <a:off x="8691807" y="1228498"/>
-              <a:ext cx="2862884" cy="2927460"/>
-            </a:xfrm>
-            <a:prstGeom prst="rect">
-              <a:avLst/>
-            </a:prstGeom>
+          </a:blip>
+          <a:srcRect/>
+          <a:stretch>
+            <a:fillRect/>
+          </a:stretch>
+        </p:blipFill>
+        <p:spPr bwMode="auto">
+          <a:xfrm>
+            <a:off x="4416882" y="1221971"/>
+            <a:ext cx="2547971" cy="2689752"/>
+          </a:xfrm>
+          <a:prstGeom prst="rect">
+            <a:avLst/>
+          </a:prstGeom>
+          <a:noFill/>
+          <a:ln>
             <a:noFill/>
-            <a:ln>
-              <a:noFill/>
-            </a:ln>
+          </a:ln>
+          <a:extLst>
+            <a:ext uri="{909E8E84-426E-40DD-AFC4-6F175D3DCCD1}">
+              <a14:hiddenFill xmlns:a14="http://schemas.microsoft.com/office/drawing/2010/main">
+                <a:solidFill>
+                  <a:schemeClr val="accent1"/>
+                </a:solidFill>
+              </a14:hiddenFill>
+            </a:ext>
+            <a:ext uri="{91240B29-F687-4F45-9708-019B960494DF}">
+              <a14:hiddenLine xmlns:a14="http://schemas.microsoft.com/office/drawing/2010/main" w="9525">
+                <a:solidFill>
+                  <a:schemeClr val="tx1"/>
+                </a:solidFill>
+                <a:miter lim="800000"/>
+                <a:headEnd/>
+                <a:tailEnd/>
+              </a14:hiddenLine>
+            </a:ext>
+          </a:extLst>
+        </p:spPr>
+      </p:pic>
+      <p:pic>
+        <p:nvPicPr>
+          <p:cNvPr id="2051" name="Picture 3"/>
+          <p:cNvPicPr>
+            <a:picLocks noChangeAspect="1" noChangeArrowheads="1"/>
+          </p:cNvPicPr>
+          <p:nvPr/>
+        </p:nvPicPr>
+        <p:blipFill>
+          <a:blip r:embed="rId5">
             <a:extLst>
-              <a:ext uri="{909E8E84-426E-40DD-AFC4-6F175D3DCCD1}">
-                <a14:hiddenFill xmlns:a14="http://schemas.microsoft.com/office/drawing/2010/main">
-                  <a:solidFill>
-                    <a:schemeClr val="accent1"/>
-                  </a:solidFill>
-                </a14:hiddenFill>
-              </a:ext>
-              <a:ext uri="{91240B29-F687-4F45-9708-019B960494DF}">
-                <a14:hiddenLine xmlns:a14="http://schemas.microsoft.com/office/drawing/2010/main" w="9525">
-                  <a:solidFill>
-                    <a:schemeClr val="tx1"/>
-                  </a:solidFill>
-                  <a:miter lim="800000"/>
-                  <a:headEnd/>
-                  <a:tailEnd/>
-                </a14:hiddenLine>
+              <a:ext uri="{28A0092B-C50C-407E-A947-70E740481C1C}">
+                <a14:useLocalDpi xmlns:a14="http://schemas.microsoft.com/office/drawing/2010/main" val="0"/>
               </a:ext>
             </a:extLst>
-          </p:spPr>
-        </p:pic>
-      </p:grpSp>
+          </a:blip>
+          <a:srcRect/>
+          <a:stretch>
+            <a:fillRect/>
+          </a:stretch>
+        </p:blipFill>
+        <p:spPr bwMode="auto">
+          <a:xfrm>
+            <a:off x="4416882" y="4028430"/>
+            <a:ext cx="2572647" cy="2675954"/>
+          </a:xfrm>
+          <a:prstGeom prst="rect">
+            <a:avLst/>
+          </a:prstGeom>
+          <a:noFill/>
+          <a:ln>
+            <a:noFill/>
+          </a:ln>
+          <a:extLst>
+            <a:ext uri="{909E8E84-426E-40DD-AFC4-6F175D3DCCD1}">
+              <a14:hiddenFill xmlns:a14="http://schemas.microsoft.com/office/drawing/2010/main">
+                <a:solidFill>
+                  <a:schemeClr val="accent1"/>
+                </a:solidFill>
+              </a14:hiddenFill>
+            </a:ext>
+            <a:ext uri="{91240B29-F687-4F45-9708-019B960494DF}">
+              <a14:hiddenLine xmlns:a14="http://schemas.microsoft.com/office/drawing/2010/main" w="9525">
+                <a:solidFill>
+                  <a:schemeClr val="tx1"/>
+                </a:solidFill>
+                <a:miter lim="800000"/>
+                <a:headEnd/>
+                <a:tailEnd/>
+              </a14:hiddenLine>
+            </a:ext>
+          </a:extLst>
+        </p:spPr>
+      </p:pic>
       <p:pic>
         <p:nvPicPr>
           <p:cNvPr id="2052" name="Picture 4"/>
@@ -17698,7 +17207,7 @@
         </p:blipFill>
         <p:spPr bwMode="auto">
           <a:xfrm>
-            <a:off x="8261661" y="4096390"/>
+            <a:off x="8381979" y="2853560"/>
             <a:ext cx="2572647" cy="2642938"/>
           </a:xfrm>
           <a:prstGeom prst="rect">
@@ -17737,7 +17246,7 @@
         </p:nvSpPr>
         <p:spPr>
           <a:xfrm>
-            <a:off x="3790604" y="5583005"/>
+            <a:off x="7396688" y="2051508"/>
             <a:ext cx="4543231" cy="646331"/>
           </a:xfrm>
           <a:prstGeom prst="rect">
@@ -17775,6 +17284,51 @@
               <a:t>Sélection des interfranges</a:t>
             </a:r>
             <a:endParaRPr lang="fr-FR" i="1" dirty="0"/>
+          </a:p>
+        </p:txBody>
+      </p:sp>
+      <p:sp>
+        <p:nvSpPr>
+          <p:cNvPr id="5" name="Flèche vers le bas 4"/>
+          <p:cNvSpPr/>
+          <p:nvPr/>
+        </p:nvSpPr>
+        <p:spPr>
+          <a:xfrm>
+            <a:off x="5530408" y="3606084"/>
+            <a:ext cx="345594" cy="422345"/>
+          </a:xfrm>
+          <a:prstGeom prst="downArrow">
+            <a:avLst/>
+          </a:prstGeom>
+          <a:solidFill>
+            <a:schemeClr val="accent1">
+              <a:alpha val="30000"/>
+            </a:schemeClr>
+          </a:solidFill>
+        </p:spPr>
+        <p:style>
+          <a:lnRef idx="2">
+            <a:schemeClr val="accent1">
+              <a:shade val="50000"/>
+            </a:schemeClr>
+          </a:lnRef>
+          <a:fillRef idx="1">
+            <a:schemeClr val="accent1"/>
+          </a:fillRef>
+          <a:effectRef idx="0">
+            <a:schemeClr val="accent1"/>
+          </a:effectRef>
+          <a:fontRef idx="minor">
+            <a:schemeClr val="lt1"/>
+          </a:fontRef>
+        </p:style>
+        <p:txBody>
+          <a:bodyPr rtlCol="0" anchor="ctr"/>
+          <a:lstStyle/>
+          <a:p>
+            <a:pPr algn="ctr"/>
+            <a:endParaRPr lang="fr-FR"/>
           </a:p>
         </p:txBody>
       </p:sp>
@@ -17789,15 +17343,11 @@
     <a:masterClrMapping/>
   </p:clrMapOvr>
   <mc:AlternateContent xmlns:mc="http://schemas.openxmlformats.org/markup-compatibility/2006">
-    <mc:Choice xmlns:p15="http://schemas.microsoft.com/office/powerpoint/2012/main" xmlns="" Requires="p15">
-      <p:transition xmlns:p14="http://schemas.microsoft.com/office/powerpoint/2010/main" spd="slow" p14:dur="1250">
-        <p15:prstTrans prst="peelOff"/>
-      </p:transition>
+    <mc:Choice xmlns:p14="http://schemas.microsoft.com/office/powerpoint/2010/main" Requires="p14">
+      <p:transition p14:dur="0"/>
     </mc:Choice>
     <mc:Fallback>
-      <p:transition spd="slow">
-        <p:fade/>
-      </p:transition>
+      <p:transition/>
     </mc:Fallback>
   </mc:AlternateContent>
   <p:timing>
@@ -17857,6 +17407,17 @@
               <a:rPr lang="fr-FR" sz="2800" u="sng" dirty="0" smtClean="0"/>
               <a:t>II. </a:t>
             </a:r>
+            <a:r>
+              <a:rPr lang="fr-FR" sz="2800" u="sng" dirty="0"/>
+              <a:t>Utilisation de la tâche d’Airy</a:t>
+            </a:r>
+          </a:p>
+          <a:p>
+            <a:pPr>
+              <a:buFont typeface="Wingdings" panose="05000000000000000000" pitchFamily="2" charset="2"/>
+              <a:buChar char="v"/>
+            </a:pPr>
+            <a:endParaRPr lang="fr-FR" sz="2800" u="sng" dirty="0" smtClean="0"/>
           </a:p>
           <a:p>
             <a:pPr marL="0" indent="0">
@@ -18120,7 +17681,6 @@
               <a:rPr lang="fr-FR" sz="2400" b="1" dirty="0" smtClean="0"/>
               <a:t>Détermination de la position transversale</a:t>
             </a:r>
-            <a:endParaRPr lang="fr-FR" sz="2400" b="1" dirty="0" smtClean="0"/>
           </a:p>
           <a:p>
             <a:pPr marL="446088" indent="-358775">
@@ -18129,19 +17689,7 @@
             </a:pPr>
             <a:r>
               <a:rPr lang="fr-FR" sz="2400" dirty="0" smtClean="0"/>
-              <a:t>Tâche d’Airy: on se concentre sur le centre de l’image (</a:t>
-            </a:r>
-            <a:r>
-              <a:rPr lang="fr-FR" sz="2400" dirty="0" smtClean="0"/>
-              <a:t>hautes fréquences </a:t>
-            </a:r>
-            <a:r>
-              <a:rPr lang="fr-FR" sz="2400" dirty="0" smtClean="0"/>
-              <a:t>non importantes). </a:t>
-            </a:r>
-            <a:r>
-              <a:rPr lang="fr-FR" sz="2400" dirty="0" smtClean="0"/>
-              <a:t/>
+              <a:t>Tâche d’Airy: on se concentre sur le centre de l’image (hautes fréquences non importantes). </a:t>
             </a:r>
             <a:br>
               <a:rPr lang="fr-FR" sz="2400" dirty="0" smtClean="0"/>
@@ -18155,14 +17703,16 @@
             </a:br>
             <a:r>
               <a:rPr lang="fr-FR" sz="2400" dirty="0" smtClean="0"/>
-              <a:t>Suppression des fréquences supérieures à la fréquence de coupure du microscope.</a:t>
-            </a:r>
-          </a:p>
-          <a:p>
-            <a:pPr marL="446088" indent="-358775">
-              <a:buFont typeface="Wingdings 3" charset="2"/>
-              <a:buNone/>
-            </a:pPr>
+              <a:t>Suppression des fréquences supérieures à la fréquence de coupure du </a:t>
+            </a:r>
+            <a:r>
+              <a:rPr lang="fr-FR" sz="2400" dirty="0" smtClean="0"/>
+              <a:t>microscope</a:t>
+            </a:r>
+            <a:r>
+              <a:rPr lang="fr-FR" sz="2400" dirty="0" smtClean="0"/>
+              <a:t>, sélection de la tâche centrale.</a:t>
+            </a:r>
             <a:r>
               <a:rPr lang="fr-FR" sz="2400" dirty="0" smtClean="0"/>
               <a:t/>
@@ -18172,10 +17722,6 @@
             </a:br>
             <a:r>
               <a:rPr lang="fr-FR" sz="2400" dirty="0" smtClean="0"/>
-              <a:t>Sélection de la tâche centrale.</a:t>
-            </a:r>
-            <a:r>
-              <a:rPr lang="fr-FR" sz="2400" dirty="0" smtClean="0"/>
               <a:t/>
             </a:r>
             <a:br>
@@ -18183,11 +17729,7 @@
             </a:br>
             <a:r>
               <a:rPr lang="fr-FR" sz="2400" dirty="0" smtClean="0"/>
-              <a:t>Utilisation </a:t>
-            </a:r>
-            <a:r>
-              <a:rPr lang="fr-FR" sz="2400" dirty="0" smtClean="0"/>
-              <a:t>d’un fit gaussien.</a:t>
+              <a:t>Utilisation d’un fit gaussien.</a:t>
             </a:r>
             <a:br>
               <a:rPr lang="fr-FR" sz="2400" dirty="0" smtClean="0"/>
@@ -18201,15 +17743,7 @@
             </a:br>
             <a:r>
               <a:rPr lang="fr-FR" sz="2400" dirty="0" smtClean="0"/>
-              <a:t>La tâche d’Airy c</a:t>
-            </a:r>
-            <a:r>
-              <a:rPr lang="fr-FR" sz="2400" dirty="0" smtClean="0"/>
-              <a:t>ontient </a:t>
-            </a:r>
-            <a:r>
-              <a:rPr lang="fr-FR" sz="2400" dirty="0" smtClean="0"/>
-              <a:t>des informations sur la localisation dans un plan, mais aussi sur le positionnement axial.</a:t>
+              <a:t/>
             </a:r>
             <a:br>
               <a:rPr lang="fr-FR" sz="2400" dirty="0" smtClean="0"/>
@@ -18239,13 +17773,13 @@
     <a:masterClrMapping/>
   </p:clrMapOvr>
   <mc:AlternateContent xmlns:mc="http://schemas.openxmlformats.org/markup-compatibility/2006">
-    <mc:Choice xmlns:p15="http://schemas.microsoft.com/office/powerpoint/2012/main" xmlns="" Requires="p15">
-      <p:transition xmlns:p14="http://schemas.microsoft.com/office/powerpoint/2010/main" spd="slow" p14:dur="1250">
-        <p15:prstTrans prst="peelOff"/>
+    <mc:Choice xmlns:p14="http://schemas.microsoft.com/office/powerpoint/2010/main" Requires="p14">
+      <p:transition spd="med" p14:dur="700">
+        <p:fade/>
       </p:transition>
     </mc:Choice>
     <mc:Fallback>
-      <p:transition spd="slow">
+      <p:transition spd="med">
         <p:fade/>
       </p:transition>
     </mc:Fallback>
@@ -18515,7 +18049,7 @@
   <a:extraClrSchemeLst/>
   <a:extLst>
     <a:ext uri="{05A4C25C-085E-4340-85A3-A5531E510DB2}">
-      <thm15:themeFamily xmlns:thm15="http://schemas.microsoft.com/office/thememl/2012/main" xmlns="" name="Office Theme" id="{62F939B6-93AF-4DB8-9C6B-D6C7DFDC589F}" vid="{4A3C46E8-61CC-4603-A589-7422A47A8E4A}"/>
+      <thm15:themeFamily xmlns="" xmlns:thm15="http://schemas.microsoft.com/office/thememl/2012/main" name="Office Theme" id="{62F939B6-93AF-4DB8-9C6B-D6C7DFDC589F}" vid="{4A3C46E8-61CC-4603-A589-7422A47A8E4A}"/>
     </a:ext>
   </a:extLst>
 </a:theme>
@@ -18758,7 +18292,7 @@
   <a:extraClrSchemeLst/>
   <a:extLst>
     <a:ext uri="{05A4C25C-085E-4340-85A3-A5531E510DB2}">
-      <thm15:themeFamily xmlns:thm15="http://schemas.microsoft.com/office/thememl/2012/main" xmlns="" name="Wisp" id="{7CB32D59-10C0-40DD-B7BD-2E94284A981C}" vid="{24B1A44C-C006-48B2-A4D7-E5549B3D8CD4}"/>
+      <thm15:themeFamily xmlns="" xmlns:thm15="http://schemas.microsoft.com/office/thememl/2012/main" name="Wisp" id="{7CB32D59-10C0-40DD-B7BD-2E94284A981C}" vid="{24B1A44C-C006-48B2-A4D7-E5549B3D8CD4}"/>
     </a:ext>
   </a:extLst>
 </a:theme>

--- a/Pres_Avril/PresentationPIMSAvrilA.pptx
+++ b/Pres_Avril/PresentationPIMSAvrilA.pptx
@@ -21,7 +21,7 @@
     <p:sldId id="281" r:id="rId15"/>
     <p:sldId id="293" r:id="rId16"/>
     <p:sldId id="287" r:id="rId17"/>
-    <p:sldId id="289" r:id="rId18"/>
+    <p:sldId id="294" r:id="rId18"/>
     <p:sldId id="273" r:id="rId19"/>
     <p:sldId id="274" r:id="rId20"/>
   </p:sldIdLst>
@@ -124,7 +124,7 @@
   </p:defaultTextStyle>
   <p:extLst>
     <p:ext uri="{EFAFB233-063F-42B5-8137-9DF3F51BA10A}">
-      <p15:sldGuideLst xmlns="" xmlns:p15="http://schemas.microsoft.com/office/powerpoint/2012/main"/>
+      <p15:sldGuideLst xmlns:p15="http://schemas.microsoft.com/office/powerpoint/2012/main" xmlns=""/>
     </p:ext>
   </p:extLst>
 </p:presentation>
@@ -277,7 +277,7 @@
           <a:p>
             <a:fld id="{C8031BB3-0EB4-4EC6-BD7E-597E5107F289}" type="datetimeFigureOut">
               <a:rPr lang="fr-FR" smtClean="0"/>
-              <a:t>27/04/2016</a:t>
+              <a:t>28/04/2016</a:t>
             </a:fld>
             <a:endParaRPr lang="fr-FR"/>
           </a:p>
@@ -336,7 +336,7 @@
     <a:masterClrMapping/>
   </p:clrMapOvr>
   <mc:AlternateContent xmlns:mc="http://schemas.openxmlformats.org/markup-compatibility/2006">
-    <mc:Choice xmlns="" xmlns:p15="http://schemas.microsoft.com/office/powerpoint/2012/main" Requires="p15">
+    <mc:Choice xmlns:p15="http://schemas.microsoft.com/office/powerpoint/2012/main" xmlns="" Requires="p15">
       <p:transition xmlns:p14="http://schemas.microsoft.com/office/powerpoint/2010/main" spd="slow" p14:dur="1250">
         <p15:prstTrans prst="peelOff"/>
       </p:transition>
@@ -459,7 +459,7 @@
           <a:p>
             <a:fld id="{C8031BB3-0EB4-4EC6-BD7E-597E5107F289}" type="datetimeFigureOut">
               <a:rPr lang="fr-FR" smtClean="0"/>
-              <a:t>27/04/2016</a:t>
+              <a:t>28/04/2016</a:t>
             </a:fld>
             <a:endParaRPr lang="fr-FR"/>
           </a:p>
@@ -518,7 +518,7 @@
     <a:masterClrMapping/>
   </p:clrMapOvr>
   <mc:AlternateContent xmlns:mc="http://schemas.openxmlformats.org/markup-compatibility/2006">
-    <mc:Choice xmlns="" xmlns:p15="http://schemas.microsoft.com/office/powerpoint/2012/main" Requires="p15">
+    <mc:Choice xmlns:p15="http://schemas.microsoft.com/office/powerpoint/2012/main" xmlns="" Requires="p15">
       <p:transition xmlns:p14="http://schemas.microsoft.com/office/powerpoint/2010/main" spd="slow" p14:dur="1250">
         <p15:prstTrans prst="peelOff"/>
       </p:transition>
@@ -651,7 +651,7 @@
           <a:p>
             <a:fld id="{C8031BB3-0EB4-4EC6-BD7E-597E5107F289}" type="datetimeFigureOut">
               <a:rPr lang="fr-FR" smtClean="0"/>
-              <a:t>27/04/2016</a:t>
+              <a:t>28/04/2016</a:t>
             </a:fld>
             <a:endParaRPr lang="fr-FR"/>
           </a:p>
@@ -710,7 +710,7 @@
     <a:masterClrMapping/>
   </p:clrMapOvr>
   <mc:AlternateContent xmlns:mc="http://schemas.openxmlformats.org/markup-compatibility/2006">
-    <mc:Choice xmlns="" xmlns:p15="http://schemas.microsoft.com/office/powerpoint/2012/main" Requires="p15">
+    <mc:Choice xmlns:p15="http://schemas.microsoft.com/office/powerpoint/2012/main" xmlns="" Requires="p15">
       <p:transition xmlns:p14="http://schemas.microsoft.com/office/powerpoint/2010/main" spd="slow" p14:dur="1250">
         <p15:prstTrans prst="peelOff"/>
       </p:transition>
@@ -919,7 +919,7 @@
                 </a:solidFill>
               </a:rPr>
               <a:pPr/>
-              <a:t>27/04/2016</a:t>
+              <a:t>28/04/2016</a:t>
             </a:fld>
             <a:endParaRPr lang="fr-FR">
               <a:solidFill>
@@ -1078,7 +1078,7 @@
     <a:masterClrMapping/>
   </p:clrMapOvr>
   <mc:AlternateContent xmlns:mc="http://schemas.openxmlformats.org/markup-compatibility/2006">
-    <mc:Choice xmlns="" xmlns:p15="http://schemas.microsoft.com/office/powerpoint/2012/main" Requires="p15">
+    <mc:Choice xmlns:p15="http://schemas.microsoft.com/office/powerpoint/2012/main" xmlns="" Requires="p15">
       <p:transition xmlns:p14="http://schemas.microsoft.com/office/powerpoint/2010/main" spd="slow" p14:dur="1250">
         <p15:prstTrans prst="peelOff"/>
       </p:transition>
@@ -1218,7 +1218,7 @@
                 </a:solidFill>
               </a:rPr>
               <a:pPr/>
-              <a:t>27/04/2016</a:t>
+              <a:t>28/04/2016</a:t>
             </a:fld>
             <a:endParaRPr lang="fr-FR">
               <a:solidFill>
@@ -1372,7 +1372,7 @@
     <a:masterClrMapping/>
   </p:clrMapOvr>
   <mc:AlternateContent xmlns:mc="http://schemas.openxmlformats.org/markup-compatibility/2006">
-    <mc:Choice xmlns="" xmlns:p15="http://schemas.microsoft.com/office/powerpoint/2012/main" Requires="p15">
+    <mc:Choice xmlns:p15="http://schemas.microsoft.com/office/powerpoint/2012/main" xmlns="" Requires="p15">
       <p:transition xmlns:p14="http://schemas.microsoft.com/office/powerpoint/2010/main" spd="slow" p14:dur="1250">
         <p15:prstTrans prst="peelOff"/>
       </p:transition>
@@ -1579,7 +1579,7 @@
                 </a:solidFill>
               </a:rPr>
               <a:pPr/>
-              <a:t>27/04/2016</a:t>
+              <a:t>28/04/2016</a:t>
             </a:fld>
             <a:endParaRPr lang="fr-FR">
               <a:solidFill>
@@ -1738,7 +1738,7 @@
     <a:masterClrMapping/>
   </p:clrMapOvr>
   <mc:AlternateContent xmlns:mc="http://schemas.openxmlformats.org/markup-compatibility/2006">
-    <mc:Choice xmlns="" xmlns:p15="http://schemas.microsoft.com/office/powerpoint/2012/main" Requires="p15">
+    <mc:Choice xmlns:p15="http://schemas.microsoft.com/office/powerpoint/2012/main" xmlns="" Requires="p15">
       <p:transition xmlns:p14="http://schemas.microsoft.com/office/powerpoint/2010/main" spd="slow" p14:dur="1250">
         <p15:prstTrans prst="peelOff"/>
       </p:transition>
@@ -1934,7 +1934,7 @@
                 </a:solidFill>
               </a:rPr>
               <a:pPr/>
-              <a:t>27/04/2016</a:t>
+              <a:t>28/04/2016</a:t>
             </a:fld>
             <a:endParaRPr lang="fr-FR">
               <a:solidFill>
@@ -2093,7 +2093,7 @@
     <a:masterClrMapping/>
   </p:clrMapOvr>
   <mc:AlternateContent xmlns:mc="http://schemas.openxmlformats.org/markup-compatibility/2006">
-    <mc:Choice xmlns="" xmlns:p15="http://schemas.microsoft.com/office/powerpoint/2012/main" Requires="p15">
+    <mc:Choice xmlns:p15="http://schemas.microsoft.com/office/powerpoint/2012/main" xmlns="" Requires="p15">
       <p:transition xmlns:p14="http://schemas.microsoft.com/office/powerpoint/2010/main" spd="slow" p14:dur="1250">
         <p15:prstTrans prst="peelOff"/>
       </p:transition>
@@ -2423,7 +2423,7 @@
                 </a:solidFill>
               </a:rPr>
               <a:pPr/>
-              <a:t>27/04/2016</a:t>
+              <a:t>28/04/2016</a:t>
             </a:fld>
             <a:endParaRPr lang="fr-FR">
               <a:solidFill>
@@ -2582,7 +2582,7 @@
     <a:masterClrMapping/>
   </p:clrMapOvr>
   <mc:AlternateContent xmlns:mc="http://schemas.openxmlformats.org/markup-compatibility/2006">
-    <mc:Choice xmlns="" xmlns:p15="http://schemas.microsoft.com/office/powerpoint/2012/main" Requires="p15">
+    <mc:Choice xmlns:p15="http://schemas.microsoft.com/office/powerpoint/2012/main" xmlns="" Requires="p15">
       <p:transition xmlns:p14="http://schemas.microsoft.com/office/powerpoint/2010/main" spd="slow" p14:dur="1250">
         <p15:prstTrans prst="peelOff"/>
       </p:transition>
@@ -2660,7 +2660,7 @@
                 </a:solidFill>
               </a:rPr>
               <a:pPr/>
-              <a:t>27/04/2016</a:t>
+              <a:t>28/04/2016</a:t>
             </a:fld>
             <a:endParaRPr lang="fr-FR">
               <a:solidFill>
@@ -2814,7 +2814,7 @@
     <a:masterClrMapping/>
   </p:clrMapOvr>
   <mc:AlternateContent xmlns:mc="http://schemas.openxmlformats.org/markup-compatibility/2006">
-    <mc:Choice xmlns="" xmlns:p15="http://schemas.microsoft.com/office/powerpoint/2012/main" Requires="p15">
+    <mc:Choice xmlns:p15="http://schemas.microsoft.com/office/powerpoint/2012/main" xmlns="" Requires="p15">
       <p:transition xmlns:p14="http://schemas.microsoft.com/office/powerpoint/2010/main" spd="slow" p14:dur="1250">
         <p15:prstTrans prst="peelOff"/>
       </p:transition>
@@ -2869,7 +2869,7 @@
                 </a:solidFill>
               </a:rPr>
               <a:pPr/>
-              <a:t>27/04/2016</a:t>
+              <a:t>28/04/2016</a:t>
             </a:fld>
             <a:endParaRPr lang="fr-FR">
               <a:solidFill>
@@ -3023,7 +3023,7 @@
     <a:masterClrMapping/>
   </p:clrMapOvr>
   <mc:AlternateContent xmlns:mc="http://schemas.openxmlformats.org/markup-compatibility/2006">
-    <mc:Choice xmlns="" xmlns:p15="http://schemas.microsoft.com/office/powerpoint/2012/main" Requires="p15">
+    <mc:Choice xmlns:p15="http://schemas.microsoft.com/office/powerpoint/2012/main" xmlns="" Requires="p15">
       <p:transition xmlns:p14="http://schemas.microsoft.com/office/powerpoint/2010/main" spd="slow" p14:dur="1250">
         <p15:prstTrans prst="peelOff"/>
       </p:transition>
@@ -3234,7 +3234,7 @@
                 </a:solidFill>
               </a:rPr>
               <a:pPr/>
-              <a:t>27/04/2016</a:t>
+              <a:t>28/04/2016</a:t>
             </a:fld>
             <a:endParaRPr lang="fr-FR">
               <a:solidFill>
@@ -3388,7 +3388,7 @@
     <a:masterClrMapping/>
   </p:clrMapOvr>
   <mc:AlternateContent xmlns:mc="http://schemas.openxmlformats.org/markup-compatibility/2006">
-    <mc:Choice xmlns="" xmlns:p15="http://schemas.microsoft.com/office/powerpoint/2012/main" Requires="p15">
+    <mc:Choice xmlns:p15="http://schemas.microsoft.com/office/powerpoint/2012/main" xmlns="" Requires="p15">
       <p:transition xmlns:p14="http://schemas.microsoft.com/office/powerpoint/2010/main" spd="slow" p14:dur="1250">
         <p15:prstTrans prst="peelOff"/>
       </p:transition>
@@ -3511,7 +3511,7 @@
           <a:p>
             <a:fld id="{C8031BB3-0EB4-4EC6-BD7E-597E5107F289}" type="datetimeFigureOut">
               <a:rPr lang="fr-FR" smtClean="0"/>
-              <a:t>27/04/2016</a:t>
+              <a:t>28/04/2016</a:t>
             </a:fld>
             <a:endParaRPr lang="fr-FR"/>
           </a:p>
@@ -3570,7 +3570,7 @@
     <a:masterClrMapping/>
   </p:clrMapOvr>
   <mc:AlternateContent xmlns:mc="http://schemas.openxmlformats.org/markup-compatibility/2006">
-    <mc:Choice xmlns="" xmlns:p15="http://schemas.microsoft.com/office/powerpoint/2012/main" Requires="p15">
+    <mc:Choice xmlns:p15="http://schemas.microsoft.com/office/powerpoint/2012/main" xmlns="" Requires="p15">
       <p:transition xmlns:p14="http://schemas.microsoft.com/office/powerpoint/2010/main" spd="slow" p14:dur="1250">
         <p15:prstTrans prst="peelOff"/>
       </p:transition>
@@ -3793,7 +3793,7 @@
                 </a:solidFill>
               </a:rPr>
               <a:pPr/>
-              <a:t>27/04/2016</a:t>
+              <a:t>28/04/2016</a:t>
             </a:fld>
             <a:endParaRPr lang="fr-FR">
               <a:solidFill>
@@ -3952,7 +3952,7 @@
     <a:masterClrMapping/>
   </p:clrMapOvr>
   <mc:AlternateContent xmlns:mc="http://schemas.openxmlformats.org/markup-compatibility/2006">
-    <mc:Choice xmlns="" xmlns:p15="http://schemas.microsoft.com/office/powerpoint/2012/main" Requires="p15">
+    <mc:Choice xmlns:p15="http://schemas.microsoft.com/office/powerpoint/2012/main" xmlns="" Requires="p15">
       <p:transition xmlns:p14="http://schemas.microsoft.com/office/powerpoint/2010/main" spd="slow" p14:dur="1250">
         <p15:prstTrans prst="peelOff"/>
       </p:transition>
@@ -4163,7 +4163,7 @@
                 </a:solidFill>
               </a:rPr>
               <a:pPr/>
-              <a:t>27/04/2016</a:t>
+              <a:t>28/04/2016</a:t>
             </a:fld>
             <a:endParaRPr lang="fr-FR">
               <a:solidFill>
@@ -4322,7 +4322,7 @@
     <a:masterClrMapping/>
   </p:clrMapOvr>
   <mc:AlternateContent xmlns:mc="http://schemas.openxmlformats.org/markup-compatibility/2006">
-    <mc:Choice xmlns="" xmlns:p15="http://schemas.microsoft.com/office/powerpoint/2012/main" Requires="p15">
+    <mc:Choice xmlns:p15="http://schemas.microsoft.com/office/powerpoint/2012/main" xmlns="" Requires="p15">
       <p:transition xmlns:p14="http://schemas.microsoft.com/office/powerpoint/2010/main" spd="slow" p14:dur="1250">
         <p15:prstTrans prst="peelOff"/>
       </p:transition>
@@ -4596,7 +4596,7 @@
                 </a:solidFill>
               </a:rPr>
               <a:pPr/>
-              <a:t>27/04/2016</a:t>
+              <a:t>28/04/2016</a:t>
             </a:fld>
             <a:endParaRPr lang="fr-FR">
               <a:solidFill>
@@ -4827,7 +4827,7 @@
     <a:masterClrMapping/>
   </p:clrMapOvr>
   <mc:AlternateContent xmlns:mc="http://schemas.openxmlformats.org/markup-compatibility/2006">
-    <mc:Choice xmlns="" xmlns:p15="http://schemas.microsoft.com/office/powerpoint/2012/main" Requires="p15">
+    <mc:Choice xmlns:p15="http://schemas.microsoft.com/office/powerpoint/2012/main" xmlns="" Requires="p15">
       <p:transition xmlns:p14="http://schemas.microsoft.com/office/powerpoint/2010/main" spd="slow" p14:dur="1250">
         <p15:prstTrans prst="peelOff"/>
       </p:transition>
@@ -4960,7 +4960,7 @@
                 </a:solidFill>
               </a:rPr>
               <a:pPr/>
-              <a:t>27/04/2016</a:t>
+              <a:t>28/04/2016</a:t>
             </a:fld>
             <a:endParaRPr lang="fr-FR">
               <a:solidFill>
@@ -5119,7 +5119,7 @@
     <a:masterClrMapping/>
   </p:clrMapOvr>
   <mc:AlternateContent xmlns:mc="http://schemas.openxmlformats.org/markup-compatibility/2006">
-    <mc:Choice xmlns="" xmlns:p15="http://schemas.microsoft.com/office/powerpoint/2012/main" Requires="p15">
+    <mc:Choice xmlns:p15="http://schemas.microsoft.com/office/powerpoint/2012/main" xmlns="" Requires="p15">
       <p:transition xmlns:p14="http://schemas.microsoft.com/office/powerpoint/2010/main" spd="slow" p14:dur="1250">
         <p15:prstTrans prst="peelOff"/>
       </p:transition>
@@ -5312,7 +5312,7 @@
                 </a:solidFill>
               </a:rPr>
               <a:pPr/>
-              <a:t>27/04/2016</a:t>
+              <a:t>28/04/2016</a:t>
             </a:fld>
             <a:endParaRPr lang="fr-FR">
               <a:solidFill>
@@ -5543,7 +5543,7 @@
     <a:masterClrMapping/>
   </p:clrMapOvr>
   <mc:AlternateContent xmlns:mc="http://schemas.openxmlformats.org/markup-compatibility/2006">
-    <mc:Choice xmlns="" xmlns:p15="http://schemas.microsoft.com/office/powerpoint/2012/main" Requires="p15">
+    <mc:Choice xmlns:p15="http://schemas.microsoft.com/office/powerpoint/2012/main" xmlns="" Requires="p15">
       <p:transition xmlns:p14="http://schemas.microsoft.com/office/powerpoint/2010/main" spd="slow" p14:dur="1250">
         <p15:prstTrans prst="peelOff"/>
       </p:transition>
@@ -5736,7 +5736,7 @@
                 </a:solidFill>
               </a:rPr>
               <a:pPr/>
-              <a:t>27/04/2016</a:t>
+              <a:t>28/04/2016</a:t>
             </a:fld>
             <a:endParaRPr lang="fr-FR">
               <a:solidFill>
@@ -5895,7 +5895,7 @@
     <a:masterClrMapping/>
   </p:clrMapOvr>
   <mc:AlternateContent xmlns:mc="http://schemas.openxmlformats.org/markup-compatibility/2006">
-    <mc:Choice xmlns="" xmlns:p15="http://schemas.microsoft.com/office/powerpoint/2012/main" Requires="p15">
+    <mc:Choice xmlns:p15="http://schemas.microsoft.com/office/powerpoint/2012/main" xmlns="" Requires="p15">
       <p:transition xmlns:p14="http://schemas.microsoft.com/office/powerpoint/2010/main" spd="slow" p14:dur="1250">
         <p15:prstTrans prst="peelOff"/>
       </p:transition>
@@ -6025,7 +6025,7 @@
                 </a:solidFill>
               </a:rPr>
               <a:pPr/>
-              <a:t>27/04/2016</a:t>
+              <a:t>28/04/2016</a:t>
             </a:fld>
             <a:endParaRPr lang="fr-FR">
               <a:solidFill>
@@ -6179,7 +6179,7 @@
     <a:masterClrMapping/>
   </p:clrMapOvr>
   <mc:AlternateContent xmlns:mc="http://schemas.openxmlformats.org/markup-compatibility/2006">
-    <mc:Choice xmlns="" xmlns:p15="http://schemas.microsoft.com/office/powerpoint/2012/main" Requires="p15">
+    <mc:Choice xmlns:p15="http://schemas.microsoft.com/office/powerpoint/2012/main" xmlns="" Requires="p15">
       <p:transition xmlns:p14="http://schemas.microsoft.com/office/powerpoint/2010/main" spd="slow" p14:dur="1250">
         <p15:prstTrans prst="peelOff"/>
       </p:transition>
@@ -6319,7 +6319,7 @@
                 </a:solidFill>
               </a:rPr>
               <a:pPr/>
-              <a:t>27/04/2016</a:t>
+              <a:t>28/04/2016</a:t>
             </a:fld>
             <a:endParaRPr lang="fr-FR">
               <a:solidFill>
@@ -6473,7 +6473,7 @@
     <a:masterClrMapping/>
   </p:clrMapOvr>
   <mc:AlternateContent xmlns:mc="http://schemas.openxmlformats.org/markup-compatibility/2006">
-    <mc:Choice xmlns="" xmlns:p15="http://schemas.microsoft.com/office/powerpoint/2012/main" Requires="p15">
+    <mc:Choice xmlns:p15="http://schemas.microsoft.com/office/powerpoint/2012/main" xmlns="" Requires="p15">
       <p:transition xmlns:p14="http://schemas.microsoft.com/office/powerpoint/2010/main" spd="slow" p14:dur="1250">
         <p15:prstTrans prst="peelOff"/>
       </p:transition>
@@ -6672,7 +6672,7 @@
           <a:p>
             <a:fld id="{C8031BB3-0EB4-4EC6-BD7E-597E5107F289}" type="datetimeFigureOut">
               <a:rPr lang="fr-FR" smtClean="0"/>
-              <a:t>27/04/2016</a:t>
+              <a:t>28/04/2016</a:t>
             </a:fld>
             <a:endParaRPr lang="fr-FR"/>
           </a:p>
@@ -6731,7 +6731,7 @@
     <a:masterClrMapping/>
   </p:clrMapOvr>
   <mc:AlternateContent xmlns:mc="http://schemas.openxmlformats.org/markup-compatibility/2006">
-    <mc:Choice xmlns="" xmlns:p15="http://schemas.microsoft.com/office/powerpoint/2012/main" Requires="p15">
+    <mc:Choice xmlns:p15="http://schemas.microsoft.com/office/powerpoint/2012/main" xmlns="" Requires="p15">
       <p:transition xmlns:p14="http://schemas.microsoft.com/office/powerpoint/2010/main" spd="slow" p14:dur="1250">
         <p15:prstTrans prst="peelOff"/>
       </p:transition>
@@ -6916,7 +6916,7 @@
           <a:p>
             <a:fld id="{C8031BB3-0EB4-4EC6-BD7E-597E5107F289}" type="datetimeFigureOut">
               <a:rPr lang="fr-FR" smtClean="0"/>
-              <a:t>27/04/2016</a:t>
+              <a:t>28/04/2016</a:t>
             </a:fld>
             <a:endParaRPr lang="fr-FR"/>
           </a:p>
@@ -6975,7 +6975,7 @@
     <a:masterClrMapping/>
   </p:clrMapOvr>
   <mc:AlternateContent xmlns:mc="http://schemas.openxmlformats.org/markup-compatibility/2006">
-    <mc:Choice xmlns="" xmlns:p15="http://schemas.microsoft.com/office/powerpoint/2012/main" Requires="p15">
+    <mc:Choice xmlns:p15="http://schemas.microsoft.com/office/powerpoint/2012/main" xmlns="" Requires="p15">
       <p:transition xmlns:p14="http://schemas.microsoft.com/office/powerpoint/2010/main" spd="slow" p14:dur="1250">
         <p15:prstTrans prst="peelOff"/>
       </p:transition>
@@ -7295,7 +7295,7 @@
           <a:p>
             <a:fld id="{C8031BB3-0EB4-4EC6-BD7E-597E5107F289}" type="datetimeFigureOut">
               <a:rPr lang="fr-FR" smtClean="0"/>
-              <a:t>27/04/2016</a:t>
+              <a:t>28/04/2016</a:t>
             </a:fld>
             <a:endParaRPr lang="fr-FR"/>
           </a:p>
@@ -7354,7 +7354,7 @@
     <a:masterClrMapping/>
   </p:clrMapOvr>
   <mc:AlternateContent xmlns:mc="http://schemas.openxmlformats.org/markup-compatibility/2006">
-    <mc:Choice xmlns="" xmlns:p15="http://schemas.microsoft.com/office/powerpoint/2012/main" Requires="p15">
+    <mc:Choice xmlns:p15="http://schemas.microsoft.com/office/powerpoint/2012/main" xmlns="" Requires="p15">
       <p:transition xmlns:p14="http://schemas.microsoft.com/office/powerpoint/2010/main" spd="slow" p14:dur="1250">
         <p15:prstTrans prst="peelOff"/>
       </p:transition>
@@ -7425,7 +7425,7 @@
           <a:p>
             <a:fld id="{C8031BB3-0EB4-4EC6-BD7E-597E5107F289}" type="datetimeFigureOut">
               <a:rPr lang="fr-FR" smtClean="0"/>
-              <a:t>27/04/2016</a:t>
+              <a:t>28/04/2016</a:t>
             </a:fld>
             <a:endParaRPr lang="fr-FR"/>
           </a:p>
@@ -7484,7 +7484,7 @@
     <a:masterClrMapping/>
   </p:clrMapOvr>
   <mc:AlternateContent xmlns:mc="http://schemas.openxmlformats.org/markup-compatibility/2006">
-    <mc:Choice xmlns="" xmlns:p15="http://schemas.microsoft.com/office/powerpoint/2012/main" Requires="p15">
+    <mc:Choice xmlns:p15="http://schemas.microsoft.com/office/powerpoint/2012/main" xmlns="" Requires="p15">
       <p:transition xmlns:p14="http://schemas.microsoft.com/office/powerpoint/2010/main" spd="slow" p14:dur="1250">
         <p15:prstTrans prst="peelOff"/>
       </p:transition>
@@ -7532,7 +7532,7 @@
           <a:p>
             <a:fld id="{C8031BB3-0EB4-4EC6-BD7E-597E5107F289}" type="datetimeFigureOut">
               <a:rPr lang="fr-FR" smtClean="0"/>
-              <a:t>27/04/2016</a:t>
+              <a:t>28/04/2016</a:t>
             </a:fld>
             <a:endParaRPr lang="fr-FR"/>
           </a:p>
@@ -7591,7 +7591,7 @@
     <a:masterClrMapping/>
   </p:clrMapOvr>
   <mc:AlternateContent xmlns:mc="http://schemas.openxmlformats.org/markup-compatibility/2006">
-    <mc:Choice xmlns="" xmlns:p15="http://schemas.microsoft.com/office/powerpoint/2012/main" Requires="p15">
+    <mc:Choice xmlns:p15="http://schemas.microsoft.com/office/powerpoint/2012/main" xmlns="" Requires="p15">
       <p:transition xmlns:p14="http://schemas.microsoft.com/office/powerpoint/2010/main" spd="slow" p14:dur="1250">
         <p15:prstTrans prst="peelOff"/>
       </p:transition>
@@ -7821,7 +7821,7 @@
           <a:p>
             <a:fld id="{C8031BB3-0EB4-4EC6-BD7E-597E5107F289}" type="datetimeFigureOut">
               <a:rPr lang="fr-FR" smtClean="0"/>
-              <a:t>27/04/2016</a:t>
+              <a:t>28/04/2016</a:t>
             </a:fld>
             <a:endParaRPr lang="fr-FR"/>
           </a:p>
@@ -7880,7 +7880,7 @@
     <a:masterClrMapping/>
   </p:clrMapOvr>
   <mc:AlternateContent xmlns:mc="http://schemas.openxmlformats.org/markup-compatibility/2006">
-    <mc:Choice xmlns="" xmlns:p15="http://schemas.microsoft.com/office/powerpoint/2012/main" Requires="p15">
+    <mc:Choice xmlns:p15="http://schemas.microsoft.com/office/powerpoint/2012/main" xmlns="" Requires="p15">
       <p:transition xmlns:p14="http://schemas.microsoft.com/office/powerpoint/2010/main" spd="slow" p14:dur="1250">
         <p15:prstTrans prst="peelOff"/>
       </p:transition>
@@ -8086,7 +8086,7 @@
           <a:p>
             <a:fld id="{C8031BB3-0EB4-4EC6-BD7E-597E5107F289}" type="datetimeFigureOut">
               <a:rPr lang="fr-FR" smtClean="0"/>
-              <a:t>27/04/2016</a:t>
+              <a:t>28/04/2016</a:t>
             </a:fld>
             <a:endParaRPr lang="fr-FR"/>
           </a:p>
@@ -8145,7 +8145,7 @@
     <a:masterClrMapping/>
   </p:clrMapOvr>
   <mc:AlternateContent xmlns:mc="http://schemas.openxmlformats.org/markup-compatibility/2006">
-    <mc:Choice xmlns="" xmlns:p15="http://schemas.microsoft.com/office/powerpoint/2012/main" Requires="p15">
+    <mc:Choice xmlns:p15="http://schemas.microsoft.com/office/powerpoint/2012/main" xmlns="" Requires="p15">
       <p:transition xmlns:p14="http://schemas.microsoft.com/office/powerpoint/2010/main" spd="slow" p14:dur="1250">
         <p15:prstTrans prst="peelOff"/>
       </p:transition>
@@ -8332,7 +8332,7 @@
           <a:p>
             <a:fld id="{C8031BB3-0EB4-4EC6-BD7E-597E5107F289}" type="datetimeFigureOut">
               <a:rPr lang="fr-FR" smtClean="0"/>
-              <a:t>27/04/2016</a:t>
+              <a:t>28/04/2016</a:t>
             </a:fld>
             <a:endParaRPr lang="fr-FR"/>
           </a:p>
@@ -8438,7 +8438,7 @@
     <p:sldLayoutId id="2147483837" r:id="rId11"/>
   </p:sldLayoutIdLst>
   <mc:AlternateContent xmlns:mc="http://schemas.openxmlformats.org/markup-compatibility/2006">
-    <mc:Choice xmlns="" xmlns:p15="http://schemas.microsoft.com/office/powerpoint/2012/main" Requires="p15">
+    <mc:Choice xmlns:p15="http://schemas.microsoft.com/office/powerpoint/2012/main" xmlns="" Requires="p15">
       <p:transition xmlns:p14="http://schemas.microsoft.com/office/powerpoint/2010/main" spd="slow" p14:dur="1250">
         <p15:prstTrans prst="peelOff"/>
       </p:transition>
@@ -10729,7 +10729,7 @@
                 </a:solidFill>
               </a:rPr>
               <a:pPr/>
-              <a:t>27/04/2016</a:t>
+              <a:t>28/04/2016</a:t>
             </a:fld>
             <a:endParaRPr lang="fr-FR">
               <a:solidFill>
@@ -10851,7 +10851,7 @@
     <p:sldLayoutId id="2147483854" r:id="rId16"/>
   </p:sldLayoutIdLst>
   <mc:AlternateContent xmlns:mc="http://schemas.openxmlformats.org/markup-compatibility/2006">
-    <mc:Choice xmlns="" xmlns:p15="http://schemas.microsoft.com/office/powerpoint/2012/main" Requires="p15">
+    <mc:Choice xmlns:p15="http://schemas.microsoft.com/office/powerpoint/2012/main" xmlns="" Requires="p15">
       <p:transition xmlns:p14="http://schemas.microsoft.com/office/powerpoint/2010/main" spd="slow" p14:dur="1250">
         <p15:prstTrans prst="peelOff"/>
       </p:transition>
@@ -11651,13 +11651,13 @@
   <p:clrMapOvr>
     <a:masterClrMapping/>
   </p:clrMapOvr>
-  <mc:AlternateContent xmlns:mc="http://schemas.openxmlformats.org/markup-compatibility/2006">
-    <mc:Choice xmlns:p14="http://schemas.microsoft.com/office/powerpoint/2010/main" Requires="p14">
+  <mc:AlternateContent xmlns:mc="http://schemas.openxmlformats.org/markup-compatibility/2006" xmlns:p14="http://schemas.microsoft.com/office/powerpoint/2010/main">
+    <mc:Choice Requires="p14">
       <p:transition spd="med" p14:dur="700">
         <p:fade/>
       </p:transition>
     </mc:Choice>
-    <mc:Fallback>
+    <mc:Fallback xmlns="">
       <p:transition spd="med">
         <p:fade/>
       </p:transition>
@@ -11828,7 +11828,6 @@
               <a:rPr lang="fr-FR" sz="2800" u="sng" dirty="0" smtClean="0"/>
               <a:t> </a:t>
             </a:r>
-            <a:endParaRPr lang="fr-FR" sz="2800" u="sng" dirty="0" smtClean="0"/>
           </a:p>
           <a:p>
             <a:pPr marL="0" indent="0">
@@ -12236,11 +12235,11 @@
   <p:clrMapOvr>
     <a:masterClrMapping/>
   </p:clrMapOvr>
-  <mc:AlternateContent xmlns:mc="http://schemas.openxmlformats.org/markup-compatibility/2006">
-    <mc:Choice xmlns:p14="http://schemas.microsoft.com/office/powerpoint/2010/main" Requires="p14">
+  <mc:AlternateContent xmlns:mc="http://schemas.openxmlformats.org/markup-compatibility/2006" xmlns:p14="http://schemas.microsoft.com/office/powerpoint/2010/main">
+    <mc:Choice Requires="p14">
       <p:transition p14:dur="0"/>
     </mc:Choice>
-    <mc:Fallback>
+    <mc:Fallback xmlns="">
       <p:transition/>
     </mc:Fallback>
   </mc:AlternateContent>
@@ -13032,11 +13031,11 @@
   <p:clrMapOvr>
     <a:masterClrMapping/>
   </p:clrMapOvr>
-  <mc:AlternateContent xmlns:mc="http://schemas.openxmlformats.org/markup-compatibility/2006">
-    <mc:Choice xmlns:p14="http://schemas.microsoft.com/office/powerpoint/2010/main" Requires="p14">
+  <mc:AlternateContent xmlns:mc="http://schemas.openxmlformats.org/markup-compatibility/2006" xmlns:p14="http://schemas.microsoft.com/office/powerpoint/2010/main">
+    <mc:Choice Requires="p14">
       <p:transition p14:dur="0"/>
     </mc:Choice>
-    <mc:Fallback>
+    <mc:Fallback xmlns="">
       <p:transition/>
     </mc:Fallback>
   </mc:AlternateContent>
@@ -13354,13 +13353,13 @@
   <p:clrMapOvr>
     <a:masterClrMapping/>
   </p:clrMapOvr>
-  <mc:AlternateContent xmlns:mc="http://schemas.openxmlformats.org/markup-compatibility/2006">
-    <mc:Choice xmlns:p14="http://schemas.microsoft.com/office/powerpoint/2010/main" Requires="p14">
+  <mc:AlternateContent xmlns:mc="http://schemas.openxmlformats.org/markup-compatibility/2006" xmlns:p14="http://schemas.microsoft.com/office/powerpoint/2010/main">
+    <mc:Choice Requires="p14">
       <p:transition spd="med" p14:dur="700">
         <p:fade/>
       </p:transition>
     </mc:Choice>
-    <mc:Fallback>
+    <mc:Fallback xmlns="">
       <p:transition spd="med">
         <p:fade/>
       </p:transition>
@@ -13759,11 +13758,11 @@
   <p:clrMapOvr>
     <a:masterClrMapping/>
   </p:clrMapOvr>
-  <mc:AlternateContent xmlns:mc="http://schemas.openxmlformats.org/markup-compatibility/2006">
-    <mc:Choice xmlns:p14="http://schemas.microsoft.com/office/powerpoint/2010/main" Requires="p14">
+  <mc:AlternateContent xmlns:mc="http://schemas.openxmlformats.org/markup-compatibility/2006" xmlns:p14="http://schemas.microsoft.com/office/powerpoint/2010/main">
+    <mc:Choice Requires="p14">
       <p:transition p14:dur="0"/>
     </mc:Choice>
-    <mc:Fallback>
+    <mc:Fallback xmlns="">
       <p:transition/>
     </mc:Fallback>
   </mc:AlternateContent>
@@ -13854,11 +13853,11 @@
   <p:clrMapOvr>
     <a:masterClrMapping/>
   </p:clrMapOvr>
-  <mc:AlternateContent xmlns:mc="http://schemas.openxmlformats.org/markup-compatibility/2006">
-    <mc:Choice xmlns:p14="http://schemas.microsoft.com/office/powerpoint/2010/main" Requires="p14">
+  <mc:AlternateContent xmlns:mc="http://schemas.openxmlformats.org/markup-compatibility/2006" xmlns:p14="http://schemas.microsoft.com/office/powerpoint/2010/main">
+    <mc:Choice Requires="p14">
       <p:transition p14:dur="0"/>
     </mc:Choice>
-    <mc:Fallback>
+    <mc:Fallback xmlns="">
       <p:transition/>
     </mc:Fallback>
   </mc:AlternateContent>
@@ -14252,11 +14251,11 @@
   <p:clrMapOvr>
     <a:masterClrMapping/>
   </p:clrMapOvr>
-  <mc:AlternateContent xmlns:mc="http://schemas.openxmlformats.org/markup-compatibility/2006">
-    <mc:Choice xmlns:p14="http://schemas.microsoft.com/office/powerpoint/2010/main" Requires="p14">
+  <mc:AlternateContent xmlns:mc="http://schemas.openxmlformats.org/markup-compatibility/2006" xmlns:p14="http://schemas.microsoft.com/office/powerpoint/2010/main">
+    <mc:Choice Requires="p14">
       <p:transition p14:dur="0"/>
     </mc:Choice>
-    <mc:Fallback>
+    <mc:Fallback xmlns="">
       <p:transition/>
     </mc:Fallback>
   </mc:AlternateContent>
@@ -14312,49 +14311,9 @@
           <a:chExt cx="0" cy="0"/>
         </a:xfrm>
       </p:grpSpPr>
-      <p:sp>
-        <p:nvSpPr>
-          <p:cNvPr id="3" name="Espace réservé du contenu 2"/>
-          <p:cNvSpPr>
-            <a:spLocks noGrp="1"/>
-          </p:cNvSpPr>
-          <p:nvPr>
-            <p:ph idx="1"/>
-          </p:nvPr>
-        </p:nvSpPr>
-        <p:spPr>
-          <a:xfrm>
-            <a:off x="1878012" y="274912"/>
-            <a:ext cx="8915400" cy="6212974"/>
-          </a:xfrm>
-        </p:spPr>
-        <p:txBody>
-          <a:bodyPr tIns="72000">
-            <a:noAutofit/>
-          </a:bodyPr>
-          <a:lstStyle/>
-          <a:p>
-            <a:pPr>
-              <a:buFont typeface="Wingdings" panose="05000000000000000000" pitchFamily="2" charset="2"/>
-              <a:buChar char="v"/>
-            </a:pPr>
-            <a:r>
-              <a:rPr lang="fr-FR" sz="2800" u="sng" dirty="0" smtClean="0"/>
-              <a:t>Pour aller plus loin:</a:t>
-            </a:r>
-            <a:endParaRPr lang="fr-FR" sz="2800" dirty="0" smtClean="0"/>
-          </a:p>
-          <a:p>
-            <a:pPr marL="0" indent="0">
-              <a:buNone/>
-            </a:pPr>
-            <a:endParaRPr lang="fr-FR" sz="2800" dirty="0"/>
-          </a:p>
-        </p:txBody>
-      </p:sp>
       <p:pic>
         <p:nvPicPr>
-          <p:cNvPr id="6" name="Picture 2"/>
+          <p:cNvPr id="1026" name="Picture 2"/>
           <p:cNvPicPr>
             <a:picLocks noChangeAspect="1" noChangeArrowheads="1"/>
           </p:cNvPicPr>
@@ -14375,8 +14334,8 @@
         </p:blipFill>
         <p:spPr bwMode="auto">
           <a:xfrm>
-            <a:off x="444664" y="1320512"/>
-            <a:ext cx="4592848" cy="4807181"/>
+            <a:off x="4514638" y="1813437"/>
+            <a:ext cx="3290167" cy="2034106"/>
           </a:xfrm>
           <a:prstGeom prst="rect">
             <a:avLst/>
@@ -14408,37 +14367,47 @@
       </p:pic>
       <p:sp>
         <p:nvSpPr>
-          <p:cNvPr id="2" name="ZoneTexte 1"/>
-          <p:cNvSpPr txBox="1"/>
-          <p:nvPr/>
+          <p:cNvPr id="3" name="Espace réservé du contenu 2"/>
+          <p:cNvSpPr>
+            <a:spLocks noGrp="1"/>
+          </p:cNvSpPr>
+          <p:nvPr>
+            <p:ph idx="1"/>
+          </p:nvPr>
         </p:nvSpPr>
         <p:spPr>
           <a:xfrm>
-            <a:off x="230156" y="6146383"/>
-            <a:ext cx="6652783" cy="369332"/>
+            <a:off x="1878012" y="274912"/>
+            <a:ext cx="8915400" cy="714303"/>
           </a:xfrm>
-          <a:prstGeom prst="rect">
-            <a:avLst/>
-          </a:prstGeom>
-          <a:noFill/>
         </p:spPr>
         <p:txBody>
-          <a:bodyPr wrap="none" rtlCol="0">
-            <a:spAutoFit/>
+          <a:bodyPr tIns="72000">
+            <a:noAutofit/>
           </a:bodyPr>
           <a:lstStyle/>
           <a:p>
-            <a:r>
-              <a:rPr lang="fr-FR" dirty="0" smtClean="0"/>
-              <a:t>Le fond créé une interférence non désirée avec le réseau</a:t>
-            </a:r>
-            <a:endParaRPr lang="fr-FR" dirty="0"/>
+            <a:pPr>
+              <a:buFont typeface="Wingdings" panose="05000000000000000000" pitchFamily="2" charset="2"/>
+              <a:buChar char="v"/>
+            </a:pPr>
+            <a:r>
+              <a:rPr lang="fr-FR" sz="2800" u="sng" dirty="0" smtClean="0"/>
+              <a:t>Pour aller plus loin:</a:t>
+            </a:r>
+            <a:endParaRPr lang="fr-FR" sz="2800" dirty="0" smtClean="0"/>
+          </a:p>
+          <a:p>
+            <a:pPr marL="0" indent="0">
+              <a:buNone/>
+            </a:pPr>
+            <a:endParaRPr lang="fr-FR" sz="2800" dirty="0"/>
           </a:p>
         </p:txBody>
       </p:sp>
       <p:pic>
         <p:nvPicPr>
-          <p:cNvPr id="4099" name="Picture 3"/>
+          <p:cNvPr id="6" name="Picture 2"/>
           <p:cNvPicPr>
             <a:picLocks noChangeAspect="1" noChangeArrowheads="1"/>
           </p:cNvPicPr>
@@ -14459,8 +14428,8 @@
         </p:blipFill>
         <p:spPr bwMode="auto">
           <a:xfrm>
-            <a:off x="7040877" y="1320514"/>
-            <a:ext cx="4724399" cy="4872036"/>
+            <a:off x="548639" y="1931204"/>
+            <a:ext cx="3840480" cy="4019702"/>
           </a:xfrm>
           <a:prstGeom prst="rect">
             <a:avLst/>
@@ -14492,14 +14461,106 @@
       </p:pic>
       <p:sp>
         <p:nvSpPr>
+          <p:cNvPr id="2" name="ZoneTexte 1"/>
+          <p:cNvSpPr txBox="1"/>
+          <p:nvPr/>
+        </p:nvSpPr>
+        <p:spPr>
+          <a:xfrm>
+            <a:off x="1337036" y="1092003"/>
+            <a:ext cx="8586005" cy="369332"/>
+          </a:xfrm>
+          <a:prstGeom prst="rect">
+            <a:avLst/>
+          </a:prstGeom>
+          <a:noFill/>
+        </p:spPr>
+        <p:txBody>
+          <a:bodyPr wrap="none" rtlCol="0">
+            <a:spAutoFit/>
+          </a:bodyPr>
+          <a:lstStyle/>
+          <a:p>
+            <a:r>
+              <a:rPr lang="fr-FR" dirty="0" smtClean="0">
+                <a:solidFill>
+                  <a:prstClr val="black"/>
+                </a:solidFill>
+              </a:rPr>
+              <a:t>Expérimentalement,  on capte une interférence non désirée avec le réseau</a:t>
+            </a:r>
+            <a:endParaRPr lang="fr-FR" dirty="0">
+              <a:solidFill>
+                <a:prstClr val="black"/>
+              </a:solidFill>
+            </a:endParaRPr>
+          </a:p>
+        </p:txBody>
+      </p:sp>
+      <p:pic>
+        <p:nvPicPr>
+          <p:cNvPr id="4099" name="Picture 3"/>
+          <p:cNvPicPr>
+            <a:picLocks noChangeAspect="1" noChangeArrowheads="1"/>
+          </p:cNvPicPr>
+          <p:nvPr/>
+        </p:nvPicPr>
+        <p:blipFill>
+          <a:blip r:embed="rId4">
+            <a:extLst>
+              <a:ext uri="{28A0092B-C50C-407E-A947-70E740481C1C}">
+                <a14:useLocalDpi xmlns:a14="http://schemas.microsoft.com/office/drawing/2010/main" val="0"/>
+              </a:ext>
+            </a:extLst>
+          </a:blip>
+          <a:srcRect/>
+          <a:stretch>
+            <a:fillRect/>
+          </a:stretch>
+        </p:blipFill>
+        <p:spPr bwMode="auto">
+          <a:xfrm>
+            <a:off x="7896248" y="1931204"/>
+            <a:ext cx="3897893" cy="4019702"/>
+          </a:xfrm>
+          <a:prstGeom prst="rect">
+            <a:avLst/>
+          </a:prstGeom>
+          <a:noFill/>
+          <a:ln>
+            <a:noFill/>
+          </a:ln>
+          <a:extLst>
+            <a:ext uri="{909E8E84-426E-40DD-AFC4-6F175D3DCCD1}">
+              <a14:hiddenFill xmlns:a14="http://schemas.microsoft.com/office/drawing/2010/main">
+                <a:solidFill>
+                  <a:schemeClr val="accent1"/>
+                </a:solidFill>
+              </a14:hiddenFill>
+            </a:ext>
+            <a:ext uri="{91240B29-F687-4F45-9708-019B960494DF}">
+              <a14:hiddenLine xmlns:a14="http://schemas.microsoft.com/office/drawing/2010/main" w="9525">
+                <a:solidFill>
+                  <a:schemeClr val="tx1"/>
+                </a:solidFill>
+                <a:miter lim="800000"/>
+                <a:headEnd/>
+                <a:tailEnd/>
+              </a14:hiddenLine>
+            </a:ext>
+          </a:extLst>
+        </p:spPr>
+      </p:pic>
+      <p:sp>
+        <p:nvSpPr>
           <p:cNvPr id="10" name="Flèche droite 9"/>
           <p:cNvSpPr/>
           <p:nvPr/>
         </p:nvSpPr>
         <p:spPr>
           <a:xfrm>
-            <a:off x="5378335" y="3458096"/>
-            <a:ext cx="1438102" cy="532015"/>
+            <a:off x="5117870" y="4006745"/>
+            <a:ext cx="2274917" cy="723206"/>
           </a:xfrm>
           <a:prstGeom prst="rightArrow">
             <a:avLst/>
@@ -14531,7 +14592,11 @@
           <a:lstStyle/>
           <a:p>
             <a:pPr algn="ctr"/>
-            <a:endParaRPr lang="fr-FR"/>
+            <a:endParaRPr lang="fr-FR">
+              <a:solidFill>
+                <a:prstClr val="white"/>
+              </a:solidFill>
+            </a:endParaRPr>
           </a:p>
         </p:txBody>
       </p:sp>
@@ -14543,8 +14608,8 @@
         </p:nvSpPr>
         <p:spPr>
           <a:xfrm>
-            <a:off x="7517784" y="6192550"/>
-            <a:ext cx="3770584" cy="646331"/>
+            <a:off x="4456447" y="4729951"/>
+            <a:ext cx="3490519" cy="1015663"/>
           </a:xfrm>
           <a:prstGeom prst="rect">
             <a:avLst/>
@@ -14552,31 +14617,209 @@
           <a:noFill/>
         </p:spPr>
         <p:txBody>
+          <a:bodyPr wrap="square" rtlCol="0">
+            <a:spAutoFit/>
+          </a:bodyPr>
+          <a:lstStyle/>
+          <a:p>
+            <a:pPr algn="ctr"/>
+            <a:r>
+              <a:rPr lang="fr-FR" sz="2000" dirty="0" smtClean="0">
+                <a:solidFill>
+                  <a:srgbClr val="A53010">
+                    <a:lumMod val="50000"/>
+                  </a:srgbClr>
+                </a:solidFill>
+              </a:rPr>
+              <a:t>Détection et élimination des pics fréquentiels </a:t>
+            </a:r>
+            <a:br>
+              <a:rPr lang="fr-FR" sz="2000" dirty="0" smtClean="0">
+                <a:solidFill>
+                  <a:srgbClr val="A53010">
+                    <a:lumMod val="50000"/>
+                  </a:srgbClr>
+                </a:solidFill>
+              </a:rPr>
+            </a:br>
+            <a:r>
+              <a:rPr lang="fr-FR" sz="2000" dirty="0" smtClean="0">
+                <a:solidFill>
+                  <a:srgbClr val="A53010">
+                    <a:lumMod val="50000"/>
+                  </a:srgbClr>
+                </a:solidFill>
+              </a:rPr>
+              <a:t>dans l’espace de Fourier</a:t>
+            </a:r>
+            <a:endParaRPr lang="fr-FR" sz="2000" dirty="0">
+              <a:solidFill>
+                <a:srgbClr val="A53010">
+                  <a:lumMod val="50000"/>
+                </a:srgbClr>
+              </a:solidFill>
+            </a:endParaRPr>
+          </a:p>
+        </p:txBody>
+      </p:sp>
+      <p:sp>
+        <p:nvSpPr>
+          <p:cNvPr id="5" name="ZoneTexte 4"/>
+          <p:cNvSpPr txBox="1"/>
+          <p:nvPr/>
+        </p:nvSpPr>
+        <p:spPr>
+          <a:xfrm>
+            <a:off x="7070607" y="3491125"/>
+            <a:ext cx="697627" cy="215444"/>
+          </a:xfrm>
+          <a:prstGeom prst="rect">
+            <a:avLst/>
+          </a:prstGeom>
+          <a:noFill/>
+        </p:spPr>
+        <p:txBody>
           <a:bodyPr wrap="none" rtlCol="0">
             <a:spAutoFit/>
           </a:bodyPr>
           <a:lstStyle/>
           <a:p>
+            <a:r>
+              <a:rPr lang="fr-FR" sz="800" b="1" dirty="0" smtClean="0">
+                <a:solidFill>
+                  <a:prstClr val="black"/>
+                </a:solidFill>
+              </a:rPr>
+              <a:t>fréquence</a:t>
+            </a:r>
+            <a:endParaRPr lang="fr-FR" sz="800" b="1" dirty="0">
+              <a:solidFill>
+                <a:prstClr val="black"/>
+              </a:solidFill>
+            </a:endParaRPr>
+          </a:p>
+        </p:txBody>
+      </p:sp>
+      <p:sp>
+        <p:nvSpPr>
+          <p:cNvPr id="7" name="ZoneTexte 6"/>
+          <p:cNvSpPr txBox="1"/>
+          <p:nvPr/>
+        </p:nvSpPr>
+        <p:spPr>
+          <a:xfrm>
+            <a:off x="4456447" y="1755246"/>
+            <a:ext cx="492443" cy="215444"/>
+          </a:xfrm>
+          <a:prstGeom prst="rect">
+            <a:avLst/>
+          </a:prstGeom>
+          <a:noFill/>
+        </p:spPr>
+        <p:txBody>
+          <a:bodyPr wrap="none" rtlCol="0">
+            <a:spAutoFit/>
+          </a:bodyPr>
+          <a:lstStyle/>
+          <a:p>
+            <a:r>
+              <a:rPr lang="fr-FR" sz="800" b="1" dirty="0" smtClean="0">
+                <a:solidFill>
+                  <a:prstClr val="black"/>
+                </a:solidFill>
+              </a:rPr>
+              <a:t>valeur</a:t>
+            </a:r>
+            <a:endParaRPr lang="fr-FR" sz="800" b="1" dirty="0">
+              <a:solidFill>
+                <a:prstClr val="black"/>
+              </a:solidFill>
+            </a:endParaRPr>
+          </a:p>
+        </p:txBody>
+      </p:sp>
+      <p:sp>
+        <p:nvSpPr>
+          <p:cNvPr id="9" name="ZoneTexte 8"/>
+          <p:cNvSpPr txBox="1"/>
+          <p:nvPr/>
+        </p:nvSpPr>
+        <p:spPr>
+          <a:xfrm>
+            <a:off x="5117870" y="2868930"/>
+            <a:ext cx="2188420" cy="646331"/>
+          </a:xfrm>
+          <a:prstGeom prst="rect">
+            <a:avLst/>
+          </a:prstGeom>
+          <a:noFill/>
+        </p:spPr>
+        <p:txBody>
+          <a:bodyPr wrap="none" rtlCol="0">
+            <a:spAutoFit/>
+          </a:bodyPr>
+          <a:lstStyle/>
+          <a:p>
             <a:pPr algn="ctr"/>
             <a:r>
-              <a:rPr lang="fr-FR" dirty="0" smtClean="0"/>
-              <a:t>Elimination des pics fréquentiels </a:t>
+              <a:rPr lang="fr-FR" dirty="0" smtClean="0">
+                <a:solidFill>
+                  <a:prstClr val="black"/>
+                </a:solidFill>
+              </a:rPr>
+              <a:t>Espace de </a:t>
+            </a:r>
+            <a:r>
+              <a:rPr lang="fr-FR" dirty="0">
+                <a:solidFill>
+                  <a:prstClr val="black"/>
+                </a:solidFill>
+              </a:rPr>
+              <a:t>F</a:t>
+            </a:r>
+            <a:r>
+              <a:rPr lang="fr-FR" dirty="0" smtClean="0">
+                <a:solidFill>
+                  <a:prstClr val="black"/>
+                </a:solidFill>
+              </a:rPr>
+              <a:t>ourier</a:t>
+            </a:r>
+            <a:r>
+              <a:rPr lang="fr-FR" dirty="0">
+                <a:solidFill>
+                  <a:prstClr val="black"/>
+                </a:solidFill>
+              </a:rPr>
+              <a:t/>
             </a:r>
             <a:br>
-              <a:rPr lang="fr-FR" dirty="0" smtClean="0"/>
+              <a:rPr lang="fr-FR" dirty="0">
+                <a:solidFill>
+                  <a:prstClr val="black"/>
+                </a:solidFill>
+              </a:rPr>
             </a:br>
             <a:r>
-              <a:rPr lang="fr-FR" dirty="0" smtClean="0"/>
-              <a:t>dans l’espace de Fourier</a:t>
-            </a:r>
-            <a:endParaRPr lang="fr-FR" dirty="0"/>
+              <a:rPr lang="fr-FR" dirty="0" smtClean="0">
+                <a:solidFill>
+                  <a:prstClr val="black"/>
+                </a:solidFill>
+              </a:rPr>
+              <a:t>après traitement</a:t>
+            </a:r>
+            <a:endParaRPr lang="fr-FR" dirty="0">
+              <a:solidFill>
+                <a:prstClr val="black"/>
+              </a:solidFill>
+            </a:endParaRPr>
           </a:p>
         </p:txBody>
       </p:sp>
     </p:spTree>
     <p:extLst>
       <p:ext uri="{BB962C8B-B14F-4D97-AF65-F5344CB8AC3E}">
-        <p14:creationId xmlns:p14="http://schemas.microsoft.com/office/powerpoint/2010/main" val="1273437947"/>
+        <p14:creationId xmlns:p14="http://schemas.microsoft.com/office/powerpoint/2010/main" val="3321741517"/>
       </p:ext>
     </p:extLst>
   </p:cSld>
@@ -14584,7 +14827,7 @@
     <a:masterClrMapping/>
   </p:clrMapOvr>
   <mc:AlternateContent xmlns:mc="http://schemas.openxmlformats.org/markup-compatibility/2006">
-    <mc:Choice xmlns="" xmlns:p15="http://schemas.microsoft.com/office/powerpoint/2012/main" Requires="p15">
+    <mc:Choice xmlns:p15="http://schemas.microsoft.com/office/powerpoint/2012/main" xmlns="" Requires="p15">
       <p:transition xmlns:p14="http://schemas.microsoft.com/office/powerpoint/2010/main" spd="slow" p14:dur="1250">
         <p15:prstTrans prst="peelOff"/>
       </p:transition>
@@ -14763,11 +15006,11 @@
   <p:clrMapOvr>
     <a:masterClrMapping/>
   </p:clrMapOvr>
-  <mc:AlternateContent xmlns:mc="http://schemas.openxmlformats.org/markup-compatibility/2006">
-    <mc:Choice xmlns:p14="http://schemas.microsoft.com/office/powerpoint/2010/main" Requires="p14">
+  <mc:AlternateContent xmlns:mc="http://schemas.openxmlformats.org/markup-compatibility/2006" xmlns:p14="http://schemas.microsoft.com/office/powerpoint/2010/main">
+    <mc:Choice Requires="p14">
       <p:transition p14:dur="0"/>
     </mc:Choice>
-    <mc:Fallback>
+    <mc:Fallback xmlns="">
       <p:transition/>
     </mc:Fallback>
   </mc:AlternateContent>
@@ -15325,11 +15568,11 @@
   <p:clrMapOvr>
     <a:masterClrMapping/>
   </p:clrMapOvr>
-  <mc:AlternateContent xmlns:mc="http://schemas.openxmlformats.org/markup-compatibility/2006">
-    <mc:Choice xmlns:p14="http://schemas.microsoft.com/office/powerpoint/2010/main" Requires="p14">
+  <mc:AlternateContent xmlns:mc="http://schemas.openxmlformats.org/markup-compatibility/2006" xmlns:p14="http://schemas.microsoft.com/office/powerpoint/2010/main">
+    <mc:Choice Requires="p14">
       <p:transition p14:dur="0"/>
     </mc:Choice>
-    <mc:Fallback>
+    <mc:Fallback xmlns="">
       <p:transition/>
     </mc:Fallback>
   </mc:AlternateContent>
@@ -15694,11 +15937,11 @@
   <p:clrMapOvr>
     <a:masterClrMapping/>
   </p:clrMapOvr>
-  <mc:AlternateContent xmlns:mc="http://schemas.openxmlformats.org/markup-compatibility/2006">
-    <mc:Choice xmlns:p14="http://schemas.microsoft.com/office/powerpoint/2010/main" Requires="p14">
+  <mc:AlternateContent xmlns:mc="http://schemas.openxmlformats.org/markup-compatibility/2006" xmlns:p14="http://schemas.microsoft.com/office/powerpoint/2010/main">
+    <mc:Choice Requires="p14">
       <p:transition p14:dur="0"/>
     </mc:Choice>
-    <mc:Fallback>
+    <mc:Fallback xmlns="">
       <p:transition/>
     </mc:Fallback>
   </mc:AlternateContent>
@@ -15971,11 +16214,11 @@
   <p:clrMapOvr>
     <a:masterClrMapping/>
   </p:clrMapOvr>
-  <mc:AlternateContent xmlns:mc="http://schemas.openxmlformats.org/markup-compatibility/2006">
-    <mc:Choice xmlns:p14="http://schemas.microsoft.com/office/powerpoint/2010/main" Requires="p14">
+  <mc:AlternateContent xmlns:mc="http://schemas.openxmlformats.org/markup-compatibility/2006" xmlns:p14="http://schemas.microsoft.com/office/powerpoint/2010/main">
+    <mc:Choice Requires="p14">
       <p:transition p14:dur="0"/>
     </mc:Choice>
-    <mc:Fallback>
+    <mc:Fallback xmlns="">
       <p:transition/>
     </mc:Fallback>
   </mc:AlternateContent>
@@ -16310,11 +16553,11 @@
   <p:clrMapOvr>
     <a:masterClrMapping/>
   </p:clrMapOvr>
-  <mc:AlternateContent xmlns:mc="http://schemas.openxmlformats.org/markup-compatibility/2006">
-    <mc:Choice xmlns:p14="http://schemas.microsoft.com/office/powerpoint/2010/main" Requires="p14">
+  <mc:AlternateContent xmlns:mc="http://schemas.openxmlformats.org/markup-compatibility/2006" xmlns:p14="http://schemas.microsoft.com/office/powerpoint/2010/main">
+    <mc:Choice Requires="p14">
       <p:transition p14:dur="0"/>
     </mc:Choice>
-    <mc:Fallback>
+    <mc:Fallback xmlns="">
       <p:transition/>
     </mc:Fallback>
   </mc:AlternateContent>
@@ -16418,29 +16661,8 @@
                   </a:outerShdw>
                 </a:effectLst>
               </a:rPr>
-              <a:t>II </a:t>
-            </a:r>
-            <a:r>
-              <a:rPr lang="fr-FR" sz="3200" i="1" u="sng" dirty="0" smtClean="0">
-                <a:effectLst>
-                  <a:outerShdw blurRad="38100" dist="38100" dir="2700000" algn="tl">
-                    <a:srgbClr val="000000">
-                      <a:alpha val="43137"/>
-                    </a:srgbClr>
-                  </a:outerShdw>
-                </a:effectLst>
-              </a:rPr>
-              <a:t>Utilisation de la tâche d’Airy</a:t>
-            </a:r>
-            <a:endParaRPr lang="fr-FR" sz="3200" i="1" u="sng" dirty="0" smtClean="0">
-              <a:effectLst>
-                <a:outerShdw blurRad="38100" dist="38100" dir="2700000" algn="tl">
-                  <a:srgbClr val="000000">
-                    <a:alpha val="43137"/>
-                  </a:srgbClr>
-                </a:outerShdw>
-              </a:effectLst>
-            </a:endParaRPr>
+              <a:t>II Utilisation de la tâche d’Airy</a:t>
+            </a:r>
           </a:p>
           <a:p>
             <a:r>
@@ -16485,11 +16707,11 @@
   <p:clrMapOvr>
     <a:masterClrMapping/>
   </p:clrMapOvr>
-  <mc:AlternateContent xmlns:mc="http://schemas.openxmlformats.org/markup-compatibility/2006">
-    <mc:Choice xmlns:p14="http://schemas.microsoft.com/office/powerpoint/2010/main" Requires="p14">
+  <mc:AlternateContent xmlns:mc="http://schemas.openxmlformats.org/markup-compatibility/2006" xmlns:p14="http://schemas.microsoft.com/office/powerpoint/2010/main">
+    <mc:Choice Requires="p14">
       <p:transition p14:dur="0"/>
     </mc:Choice>
-    <mc:Fallback>
+    <mc:Fallback xmlns="">
       <p:transition/>
     </mc:Fallback>
   </mc:AlternateContent>
@@ -16820,7 +17042,11 @@
           <a:p>
             <a:r>
               <a:rPr lang="fr-FR" dirty="0" smtClean="0"/>
-              <a:t>Filtrage de Wiener envisagé, mais il abîme les fréquences qui nous intéressent, et il est difficile de déterminer l’objet à obtenir.</a:t>
+              <a:t>Filtrage de Wiener envisagé, mais il abîme les fréquences qui nous intéressent, et il est difficile de déterminer l’objet à </a:t>
+            </a:r>
+            <a:r>
+              <a:rPr lang="fr-FR" dirty="0" smtClean="0"/>
+              <a:t>obtenir ou l’opérateur utilisé.</a:t>
             </a:r>
             <a:endParaRPr lang="fr-FR" dirty="0"/>
           </a:p>
@@ -16837,7 +17063,7 @@
     <a:masterClrMapping/>
   </p:clrMapOvr>
   <mc:AlternateContent xmlns:mc="http://schemas.openxmlformats.org/markup-compatibility/2006">
-    <mc:Choice xmlns="" xmlns:p15="http://schemas.microsoft.com/office/powerpoint/2012/main" Requires="p15">
+    <mc:Choice xmlns:p15="http://schemas.microsoft.com/office/powerpoint/2012/main" xmlns="" Requires="p15">
       <p:transition xmlns:p14="http://schemas.microsoft.com/office/powerpoint/2010/main" spd="slow" p14:dur="1250">
         <p15:prstTrans prst="peelOff"/>
       </p:transition>
@@ -17342,11 +17568,11 @@
   <p:clrMapOvr>
     <a:masterClrMapping/>
   </p:clrMapOvr>
-  <mc:AlternateContent xmlns:mc="http://schemas.openxmlformats.org/markup-compatibility/2006">
-    <mc:Choice xmlns:p14="http://schemas.microsoft.com/office/powerpoint/2010/main" Requires="p14">
+  <mc:AlternateContent xmlns:mc="http://schemas.openxmlformats.org/markup-compatibility/2006" xmlns:p14="http://schemas.microsoft.com/office/powerpoint/2010/main">
+    <mc:Choice Requires="p14">
       <p:transition p14:dur="0"/>
     </mc:Choice>
-    <mc:Fallback>
+    <mc:Fallback xmlns="">
       <p:transition/>
     </mc:Fallback>
   </mc:AlternateContent>
@@ -17703,19 +17929,7 @@
             </a:br>
             <a:r>
               <a:rPr lang="fr-FR" sz="2400" dirty="0" smtClean="0"/>
-              <a:t>Suppression des fréquences supérieures à la fréquence de coupure du </a:t>
-            </a:r>
-            <a:r>
-              <a:rPr lang="fr-FR" sz="2400" dirty="0" smtClean="0"/>
-              <a:t>microscope</a:t>
-            </a:r>
-            <a:r>
-              <a:rPr lang="fr-FR" sz="2400" dirty="0" smtClean="0"/>
-              <a:t>, sélection de la tâche centrale.</a:t>
-            </a:r>
-            <a:r>
-              <a:rPr lang="fr-FR" sz="2400" dirty="0" smtClean="0"/>
-              <a:t/>
+              <a:t>Suppression des fréquences supérieures à la fréquence de coupure du microscope, sélection de la tâche centrale.</a:t>
             </a:r>
             <a:br>
               <a:rPr lang="fr-FR" sz="2400" dirty="0" smtClean="0"/>
@@ -17772,13 +17986,13 @@
   <p:clrMapOvr>
     <a:masterClrMapping/>
   </p:clrMapOvr>
-  <mc:AlternateContent xmlns:mc="http://schemas.openxmlformats.org/markup-compatibility/2006">
-    <mc:Choice xmlns:p14="http://schemas.microsoft.com/office/powerpoint/2010/main" Requires="p14">
+  <mc:AlternateContent xmlns:mc="http://schemas.openxmlformats.org/markup-compatibility/2006" xmlns:p14="http://schemas.microsoft.com/office/powerpoint/2010/main">
+    <mc:Choice Requires="p14">
       <p:transition spd="med" p14:dur="700">
         <p:fade/>
       </p:transition>
     </mc:Choice>
-    <mc:Fallback>
+    <mc:Fallback xmlns="">
       <p:transition spd="med">
         <p:fade/>
       </p:transition>
@@ -18049,7 +18263,7 @@
   <a:extraClrSchemeLst/>
   <a:extLst>
     <a:ext uri="{05A4C25C-085E-4340-85A3-A5531E510DB2}">
-      <thm15:themeFamily xmlns="" xmlns:thm15="http://schemas.microsoft.com/office/thememl/2012/main" name="Office Theme" id="{62F939B6-93AF-4DB8-9C6B-D6C7DFDC589F}" vid="{4A3C46E8-61CC-4603-A589-7422A47A8E4A}"/>
+      <thm15:themeFamily xmlns:thm15="http://schemas.microsoft.com/office/thememl/2012/main" xmlns="" name="Office Theme" id="{62F939B6-93AF-4DB8-9C6B-D6C7DFDC589F}" vid="{4A3C46E8-61CC-4603-A589-7422A47A8E4A}"/>
     </a:ext>
   </a:extLst>
 </a:theme>
@@ -18292,7 +18506,7 @@
   <a:extraClrSchemeLst/>
   <a:extLst>
     <a:ext uri="{05A4C25C-085E-4340-85A3-A5531E510DB2}">
-      <thm15:themeFamily xmlns="" xmlns:thm15="http://schemas.microsoft.com/office/thememl/2012/main" name="Wisp" id="{7CB32D59-10C0-40DD-B7BD-2E94284A981C}" vid="{24B1A44C-C006-48B2-A4D7-E5549B3D8CD4}"/>
+      <thm15:themeFamily xmlns:thm15="http://schemas.microsoft.com/office/thememl/2012/main" xmlns="" name="Wisp" id="{7CB32D59-10C0-40DD-B7BD-2E94284A981C}" vid="{24B1A44C-C006-48B2-A4D7-E5549B3D8CD4}"/>
     </a:ext>
   </a:extLst>
 </a:theme>

--- a/Pres_Avril/PresentationPIMSAvrilA.pptx
+++ b/Pres_Avril/PresentationPIMSAvrilA.pptx
@@ -124,7 +124,7 @@
   </p:defaultTextStyle>
   <p:extLst>
     <p:ext uri="{EFAFB233-063F-42B5-8137-9DF3F51BA10A}">
-      <p15:sldGuideLst xmlns:p15="http://schemas.microsoft.com/office/powerpoint/2012/main" xmlns=""/>
+      <p15:sldGuideLst xmlns="" xmlns:p15="http://schemas.microsoft.com/office/powerpoint/2012/main"/>
     </p:ext>
   </p:extLst>
 </p:presentation>
@@ -336,7 +336,7 @@
     <a:masterClrMapping/>
   </p:clrMapOvr>
   <mc:AlternateContent xmlns:mc="http://schemas.openxmlformats.org/markup-compatibility/2006">
-    <mc:Choice xmlns:p15="http://schemas.microsoft.com/office/powerpoint/2012/main" xmlns="" Requires="p15">
+    <mc:Choice xmlns="" xmlns:p15="http://schemas.microsoft.com/office/powerpoint/2012/main" Requires="p15">
       <p:transition xmlns:p14="http://schemas.microsoft.com/office/powerpoint/2010/main" spd="slow" p14:dur="1250">
         <p15:prstTrans prst="peelOff"/>
       </p:transition>
@@ -518,7 +518,7 @@
     <a:masterClrMapping/>
   </p:clrMapOvr>
   <mc:AlternateContent xmlns:mc="http://schemas.openxmlformats.org/markup-compatibility/2006">
-    <mc:Choice xmlns:p15="http://schemas.microsoft.com/office/powerpoint/2012/main" xmlns="" Requires="p15">
+    <mc:Choice xmlns="" xmlns:p15="http://schemas.microsoft.com/office/powerpoint/2012/main" Requires="p15">
       <p:transition xmlns:p14="http://schemas.microsoft.com/office/powerpoint/2010/main" spd="slow" p14:dur="1250">
         <p15:prstTrans prst="peelOff"/>
       </p:transition>
@@ -710,7 +710,7 @@
     <a:masterClrMapping/>
   </p:clrMapOvr>
   <mc:AlternateContent xmlns:mc="http://schemas.openxmlformats.org/markup-compatibility/2006">
-    <mc:Choice xmlns:p15="http://schemas.microsoft.com/office/powerpoint/2012/main" xmlns="" Requires="p15">
+    <mc:Choice xmlns="" xmlns:p15="http://schemas.microsoft.com/office/powerpoint/2012/main" Requires="p15">
       <p:transition xmlns:p14="http://schemas.microsoft.com/office/powerpoint/2010/main" spd="slow" p14:dur="1250">
         <p15:prstTrans prst="peelOff"/>
       </p:transition>
@@ -1078,7 +1078,7 @@
     <a:masterClrMapping/>
   </p:clrMapOvr>
   <mc:AlternateContent xmlns:mc="http://schemas.openxmlformats.org/markup-compatibility/2006">
-    <mc:Choice xmlns:p15="http://schemas.microsoft.com/office/powerpoint/2012/main" xmlns="" Requires="p15">
+    <mc:Choice xmlns="" xmlns:p15="http://schemas.microsoft.com/office/powerpoint/2012/main" Requires="p15">
       <p:transition xmlns:p14="http://schemas.microsoft.com/office/powerpoint/2010/main" spd="slow" p14:dur="1250">
         <p15:prstTrans prst="peelOff"/>
       </p:transition>
@@ -1372,7 +1372,7 @@
     <a:masterClrMapping/>
   </p:clrMapOvr>
   <mc:AlternateContent xmlns:mc="http://schemas.openxmlformats.org/markup-compatibility/2006">
-    <mc:Choice xmlns:p15="http://schemas.microsoft.com/office/powerpoint/2012/main" xmlns="" Requires="p15">
+    <mc:Choice xmlns="" xmlns:p15="http://schemas.microsoft.com/office/powerpoint/2012/main" Requires="p15">
       <p:transition xmlns:p14="http://schemas.microsoft.com/office/powerpoint/2010/main" spd="slow" p14:dur="1250">
         <p15:prstTrans prst="peelOff"/>
       </p:transition>
@@ -1738,7 +1738,7 @@
     <a:masterClrMapping/>
   </p:clrMapOvr>
   <mc:AlternateContent xmlns:mc="http://schemas.openxmlformats.org/markup-compatibility/2006">
-    <mc:Choice xmlns:p15="http://schemas.microsoft.com/office/powerpoint/2012/main" xmlns="" Requires="p15">
+    <mc:Choice xmlns="" xmlns:p15="http://schemas.microsoft.com/office/powerpoint/2012/main" Requires="p15">
       <p:transition xmlns:p14="http://schemas.microsoft.com/office/powerpoint/2010/main" spd="slow" p14:dur="1250">
         <p15:prstTrans prst="peelOff"/>
       </p:transition>
@@ -2093,7 +2093,7 @@
     <a:masterClrMapping/>
   </p:clrMapOvr>
   <mc:AlternateContent xmlns:mc="http://schemas.openxmlformats.org/markup-compatibility/2006">
-    <mc:Choice xmlns:p15="http://schemas.microsoft.com/office/powerpoint/2012/main" xmlns="" Requires="p15">
+    <mc:Choice xmlns="" xmlns:p15="http://schemas.microsoft.com/office/powerpoint/2012/main" Requires="p15">
       <p:transition xmlns:p14="http://schemas.microsoft.com/office/powerpoint/2010/main" spd="slow" p14:dur="1250">
         <p15:prstTrans prst="peelOff"/>
       </p:transition>
@@ -2582,7 +2582,7 @@
     <a:masterClrMapping/>
   </p:clrMapOvr>
   <mc:AlternateContent xmlns:mc="http://schemas.openxmlformats.org/markup-compatibility/2006">
-    <mc:Choice xmlns:p15="http://schemas.microsoft.com/office/powerpoint/2012/main" xmlns="" Requires="p15">
+    <mc:Choice xmlns="" xmlns:p15="http://schemas.microsoft.com/office/powerpoint/2012/main" Requires="p15">
       <p:transition xmlns:p14="http://schemas.microsoft.com/office/powerpoint/2010/main" spd="slow" p14:dur="1250">
         <p15:prstTrans prst="peelOff"/>
       </p:transition>
@@ -2814,7 +2814,7 @@
     <a:masterClrMapping/>
   </p:clrMapOvr>
   <mc:AlternateContent xmlns:mc="http://schemas.openxmlformats.org/markup-compatibility/2006">
-    <mc:Choice xmlns:p15="http://schemas.microsoft.com/office/powerpoint/2012/main" xmlns="" Requires="p15">
+    <mc:Choice xmlns="" xmlns:p15="http://schemas.microsoft.com/office/powerpoint/2012/main" Requires="p15">
       <p:transition xmlns:p14="http://schemas.microsoft.com/office/powerpoint/2010/main" spd="slow" p14:dur="1250">
         <p15:prstTrans prst="peelOff"/>
       </p:transition>
@@ -3023,7 +3023,7 @@
     <a:masterClrMapping/>
   </p:clrMapOvr>
   <mc:AlternateContent xmlns:mc="http://schemas.openxmlformats.org/markup-compatibility/2006">
-    <mc:Choice xmlns:p15="http://schemas.microsoft.com/office/powerpoint/2012/main" xmlns="" Requires="p15">
+    <mc:Choice xmlns="" xmlns:p15="http://schemas.microsoft.com/office/powerpoint/2012/main" Requires="p15">
       <p:transition xmlns:p14="http://schemas.microsoft.com/office/powerpoint/2010/main" spd="slow" p14:dur="1250">
         <p15:prstTrans prst="peelOff"/>
       </p:transition>
@@ -3388,7 +3388,7 @@
     <a:masterClrMapping/>
   </p:clrMapOvr>
   <mc:AlternateContent xmlns:mc="http://schemas.openxmlformats.org/markup-compatibility/2006">
-    <mc:Choice xmlns:p15="http://schemas.microsoft.com/office/powerpoint/2012/main" xmlns="" Requires="p15">
+    <mc:Choice xmlns="" xmlns:p15="http://schemas.microsoft.com/office/powerpoint/2012/main" Requires="p15">
       <p:transition xmlns:p14="http://schemas.microsoft.com/office/powerpoint/2010/main" spd="slow" p14:dur="1250">
         <p15:prstTrans prst="peelOff"/>
       </p:transition>
@@ -3570,7 +3570,7 @@
     <a:masterClrMapping/>
   </p:clrMapOvr>
   <mc:AlternateContent xmlns:mc="http://schemas.openxmlformats.org/markup-compatibility/2006">
-    <mc:Choice xmlns:p15="http://schemas.microsoft.com/office/powerpoint/2012/main" xmlns="" Requires="p15">
+    <mc:Choice xmlns="" xmlns:p15="http://schemas.microsoft.com/office/powerpoint/2012/main" Requires="p15">
       <p:transition xmlns:p14="http://schemas.microsoft.com/office/powerpoint/2010/main" spd="slow" p14:dur="1250">
         <p15:prstTrans prst="peelOff"/>
       </p:transition>
@@ -3952,7 +3952,7 @@
     <a:masterClrMapping/>
   </p:clrMapOvr>
   <mc:AlternateContent xmlns:mc="http://schemas.openxmlformats.org/markup-compatibility/2006">
-    <mc:Choice xmlns:p15="http://schemas.microsoft.com/office/powerpoint/2012/main" xmlns="" Requires="p15">
+    <mc:Choice xmlns="" xmlns:p15="http://schemas.microsoft.com/office/powerpoint/2012/main" Requires="p15">
       <p:transition xmlns:p14="http://schemas.microsoft.com/office/powerpoint/2010/main" spd="slow" p14:dur="1250">
         <p15:prstTrans prst="peelOff"/>
       </p:transition>
@@ -4322,7 +4322,7 @@
     <a:masterClrMapping/>
   </p:clrMapOvr>
   <mc:AlternateContent xmlns:mc="http://schemas.openxmlformats.org/markup-compatibility/2006">
-    <mc:Choice xmlns:p15="http://schemas.microsoft.com/office/powerpoint/2012/main" xmlns="" Requires="p15">
+    <mc:Choice xmlns="" xmlns:p15="http://schemas.microsoft.com/office/powerpoint/2012/main" Requires="p15">
       <p:transition xmlns:p14="http://schemas.microsoft.com/office/powerpoint/2010/main" spd="slow" p14:dur="1250">
         <p15:prstTrans prst="peelOff"/>
       </p:transition>
@@ -4827,7 +4827,7 @@
     <a:masterClrMapping/>
   </p:clrMapOvr>
   <mc:AlternateContent xmlns:mc="http://schemas.openxmlformats.org/markup-compatibility/2006">
-    <mc:Choice xmlns:p15="http://schemas.microsoft.com/office/powerpoint/2012/main" xmlns="" Requires="p15">
+    <mc:Choice xmlns="" xmlns:p15="http://schemas.microsoft.com/office/powerpoint/2012/main" Requires="p15">
       <p:transition xmlns:p14="http://schemas.microsoft.com/office/powerpoint/2010/main" spd="slow" p14:dur="1250">
         <p15:prstTrans prst="peelOff"/>
       </p:transition>
@@ -5119,7 +5119,7 @@
     <a:masterClrMapping/>
   </p:clrMapOvr>
   <mc:AlternateContent xmlns:mc="http://schemas.openxmlformats.org/markup-compatibility/2006">
-    <mc:Choice xmlns:p15="http://schemas.microsoft.com/office/powerpoint/2012/main" xmlns="" Requires="p15">
+    <mc:Choice xmlns="" xmlns:p15="http://schemas.microsoft.com/office/powerpoint/2012/main" Requires="p15">
       <p:transition xmlns:p14="http://schemas.microsoft.com/office/powerpoint/2010/main" spd="slow" p14:dur="1250">
         <p15:prstTrans prst="peelOff"/>
       </p:transition>
@@ -5543,7 +5543,7 @@
     <a:masterClrMapping/>
   </p:clrMapOvr>
   <mc:AlternateContent xmlns:mc="http://schemas.openxmlformats.org/markup-compatibility/2006">
-    <mc:Choice xmlns:p15="http://schemas.microsoft.com/office/powerpoint/2012/main" xmlns="" Requires="p15">
+    <mc:Choice xmlns="" xmlns:p15="http://schemas.microsoft.com/office/powerpoint/2012/main" Requires="p15">
       <p:transition xmlns:p14="http://schemas.microsoft.com/office/powerpoint/2010/main" spd="slow" p14:dur="1250">
         <p15:prstTrans prst="peelOff"/>
       </p:transition>
@@ -5895,7 +5895,7 @@
     <a:masterClrMapping/>
   </p:clrMapOvr>
   <mc:AlternateContent xmlns:mc="http://schemas.openxmlformats.org/markup-compatibility/2006">
-    <mc:Choice xmlns:p15="http://schemas.microsoft.com/office/powerpoint/2012/main" xmlns="" Requires="p15">
+    <mc:Choice xmlns="" xmlns:p15="http://schemas.microsoft.com/office/powerpoint/2012/main" Requires="p15">
       <p:transition xmlns:p14="http://schemas.microsoft.com/office/powerpoint/2010/main" spd="slow" p14:dur="1250">
         <p15:prstTrans prst="peelOff"/>
       </p:transition>
@@ -6179,7 +6179,7 @@
     <a:masterClrMapping/>
   </p:clrMapOvr>
   <mc:AlternateContent xmlns:mc="http://schemas.openxmlformats.org/markup-compatibility/2006">
-    <mc:Choice xmlns:p15="http://schemas.microsoft.com/office/powerpoint/2012/main" xmlns="" Requires="p15">
+    <mc:Choice xmlns="" xmlns:p15="http://schemas.microsoft.com/office/powerpoint/2012/main" Requires="p15">
       <p:transition xmlns:p14="http://schemas.microsoft.com/office/powerpoint/2010/main" spd="slow" p14:dur="1250">
         <p15:prstTrans prst="peelOff"/>
       </p:transition>
@@ -6473,7 +6473,7 @@
     <a:masterClrMapping/>
   </p:clrMapOvr>
   <mc:AlternateContent xmlns:mc="http://schemas.openxmlformats.org/markup-compatibility/2006">
-    <mc:Choice xmlns:p15="http://schemas.microsoft.com/office/powerpoint/2012/main" xmlns="" Requires="p15">
+    <mc:Choice xmlns="" xmlns:p15="http://schemas.microsoft.com/office/powerpoint/2012/main" Requires="p15">
       <p:transition xmlns:p14="http://schemas.microsoft.com/office/powerpoint/2010/main" spd="slow" p14:dur="1250">
         <p15:prstTrans prst="peelOff"/>
       </p:transition>
@@ -6731,7 +6731,7 @@
     <a:masterClrMapping/>
   </p:clrMapOvr>
   <mc:AlternateContent xmlns:mc="http://schemas.openxmlformats.org/markup-compatibility/2006">
-    <mc:Choice xmlns:p15="http://schemas.microsoft.com/office/powerpoint/2012/main" xmlns="" Requires="p15">
+    <mc:Choice xmlns="" xmlns:p15="http://schemas.microsoft.com/office/powerpoint/2012/main" Requires="p15">
       <p:transition xmlns:p14="http://schemas.microsoft.com/office/powerpoint/2010/main" spd="slow" p14:dur="1250">
         <p15:prstTrans prst="peelOff"/>
       </p:transition>
@@ -6975,7 +6975,7 @@
     <a:masterClrMapping/>
   </p:clrMapOvr>
   <mc:AlternateContent xmlns:mc="http://schemas.openxmlformats.org/markup-compatibility/2006">
-    <mc:Choice xmlns:p15="http://schemas.microsoft.com/office/powerpoint/2012/main" xmlns="" Requires="p15">
+    <mc:Choice xmlns="" xmlns:p15="http://schemas.microsoft.com/office/powerpoint/2012/main" Requires="p15">
       <p:transition xmlns:p14="http://schemas.microsoft.com/office/powerpoint/2010/main" spd="slow" p14:dur="1250">
         <p15:prstTrans prst="peelOff"/>
       </p:transition>
@@ -7354,7 +7354,7 @@
     <a:masterClrMapping/>
   </p:clrMapOvr>
   <mc:AlternateContent xmlns:mc="http://schemas.openxmlformats.org/markup-compatibility/2006">
-    <mc:Choice xmlns:p15="http://schemas.microsoft.com/office/powerpoint/2012/main" xmlns="" Requires="p15">
+    <mc:Choice xmlns="" xmlns:p15="http://schemas.microsoft.com/office/powerpoint/2012/main" Requires="p15">
       <p:transition xmlns:p14="http://schemas.microsoft.com/office/powerpoint/2010/main" spd="slow" p14:dur="1250">
         <p15:prstTrans prst="peelOff"/>
       </p:transition>
@@ -7484,7 +7484,7 @@
     <a:masterClrMapping/>
   </p:clrMapOvr>
   <mc:AlternateContent xmlns:mc="http://schemas.openxmlformats.org/markup-compatibility/2006">
-    <mc:Choice xmlns:p15="http://schemas.microsoft.com/office/powerpoint/2012/main" xmlns="" Requires="p15">
+    <mc:Choice xmlns="" xmlns:p15="http://schemas.microsoft.com/office/powerpoint/2012/main" Requires="p15">
       <p:transition xmlns:p14="http://schemas.microsoft.com/office/powerpoint/2010/main" spd="slow" p14:dur="1250">
         <p15:prstTrans prst="peelOff"/>
       </p:transition>
@@ -7591,7 +7591,7 @@
     <a:masterClrMapping/>
   </p:clrMapOvr>
   <mc:AlternateContent xmlns:mc="http://schemas.openxmlformats.org/markup-compatibility/2006">
-    <mc:Choice xmlns:p15="http://schemas.microsoft.com/office/powerpoint/2012/main" xmlns="" Requires="p15">
+    <mc:Choice xmlns="" xmlns:p15="http://schemas.microsoft.com/office/powerpoint/2012/main" Requires="p15">
       <p:transition xmlns:p14="http://schemas.microsoft.com/office/powerpoint/2010/main" spd="slow" p14:dur="1250">
         <p15:prstTrans prst="peelOff"/>
       </p:transition>
@@ -7880,7 +7880,7 @@
     <a:masterClrMapping/>
   </p:clrMapOvr>
   <mc:AlternateContent xmlns:mc="http://schemas.openxmlformats.org/markup-compatibility/2006">
-    <mc:Choice xmlns:p15="http://schemas.microsoft.com/office/powerpoint/2012/main" xmlns="" Requires="p15">
+    <mc:Choice xmlns="" xmlns:p15="http://schemas.microsoft.com/office/powerpoint/2012/main" Requires="p15">
       <p:transition xmlns:p14="http://schemas.microsoft.com/office/powerpoint/2010/main" spd="slow" p14:dur="1250">
         <p15:prstTrans prst="peelOff"/>
       </p:transition>
@@ -8145,7 +8145,7 @@
     <a:masterClrMapping/>
   </p:clrMapOvr>
   <mc:AlternateContent xmlns:mc="http://schemas.openxmlformats.org/markup-compatibility/2006">
-    <mc:Choice xmlns:p15="http://schemas.microsoft.com/office/powerpoint/2012/main" xmlns="" Requires="p15">
+    <mc:Choice xmlns="" xmlns:p15="http://schemas.microsoft.com/office/powerpoint/2012/main" Requires="p15">
       <p:transition xmlns:p14="http://schemas.microsoft.com/office/powerpoint/2010/main" spd="slow" p14:dur="1250">
         <p15:prstTrans prst="peelOff"/>
       </p:transition>
@@ -8438,7 +8438,7 @@
     <p:sldLayoutId id="2147483837" r:id="rId11"/>
   </p:sldLayoutIdLst>
   <mc:AlternateContent xmlns:mc="http://schemas.openxmlformats.org/markup-compatibility/2006">
-    <mc:Choice xmlns:p15="http://schemas.microsoft.com/office/powerpoint/2012/main" xmlns="" Requires="p15">
+    <mc:Choice xmlns="" xmlns:p15="http://schemas.microsoft.com/office/powerpoint/2012/main" Requires="p15">
       <p:transition xmlns:p14="http://schemas.microsoft.com/office/powerpoint/2010/main" spd="slow" p14:dur="1250">
         <p15:prstTrans prst="peelOff"/>
       </p:transition>
@@ -10851,7 +10851,7 @@
     <p:sldLayoutId id="2147483854" r:id="rId16"/>
   </p:sldLayoutIdLst>
   <mc:AlternateContent xmlns:mc="http://schemas.openxmlformats.org/markup-compatibility/2006">
-    <mc:Choice xmlns:p15="http://schemas.microsoft.com/office/powerpoint/2012/main" xmlns="" Requires="p15">
+    <mc:Choice xmlns="" xmlns:p15="http://schemas.microsoft.com/office/powerpoint/2012/main" Requires="p15">
       <p:transition xmlns:p14="http://schemas.microsoft.com/office/powerpoint/2010/main" spd="slow" p14:dur="1250">
         <p15:prstTrans prst="peelOff"/>
       </p:transition>
@@ -14827,7 +14827,7 @@
     <a:masterClrMapping/>
   </p:clrMapOvr>
   <mc:AlternateContent xmlns:mc="http://schemas.openxmlformats.org/markup-compatibility/2006">
-    <mc:Choice xmlns:p15="http://schemas.microsoft.com/office/powerpoint/2012/main" xmlns="" Requires="p15">
+    <mc:Choice xmlns="" xmlns:p15="http://schemas.microsoft.com/office/powerpoint/2012/main" Requires="p15">
       <p:transition xmlns:p14="http://schemas.microsoft.com/office/powerpoint/2010/main" spd="slow" p14:dur="1250">
         <p15:prstTrans prst="peelOff"/>
       </p:transition>
@@ -17042,11 +17042,7 @@
           <a:p>
             <a:r>
               <a:rPr lang="fr-FR" dirty="0" smtClean="0"/>
-              <a:t>Filtrage de Wiener envisagé, mais il abîme les fréquences qui nous intéressent, et il est difficile de déterminer l’objet à </a:t>
-            </a:r>
-            <a:r>
-              <a:rPr lang="fr-FR" dirty="0" smtClean="0"/>
-              <a:t>obtenir ou l’opérateur utilisé.</a:t>
+              <a:t>Filtrage de Wiener envisagé, mais il abîme les fréquences qui nous intéressent, et il est difficile de déterminer l’objet à obtenir ou l’opérateur utilisé.</a:t>
             </a:r>
             <a:endParaRPr lang="fr-FR" dirty="0"/>
           </a:p>
@@ -17063,7 +17059,7 @@
     <a:masterClrMapping/>
   </p:clrMapOvr>
   <mc:AlternateContent xmlns:mc="http://schemas.openxmlformats.org/markup-compatibility/2006">
-    <mc:Choice xmlns:p15="http://schemas.microsoft.com/office/powerpoint/2012/main" xmlns="" Requires="p15">
+    <mc:Choice xmlns="" xmlns:p15="http://schemas.microsoft.com/office/powerpoint/2012/main" Requires="p15">
       <p:transition xmlns:p14="http://schemas.microsoft.com/office/powerpoint/2010/main" spd="slow" p14:dur="1250">
         <p15:prstTrans prst="peelOff"/>
       </p:transition>
@@ -18263,7 +18259,7 @@
   <a:extraClrSchemeLst/>
   <a:extLst>
     <a:ext uri="{05A4C25C-085E-4340-85A3-A5531E510DB2}">
-      <thm15:themeFamily xmlns:thm15="http://schemas.microsoft.com/office/thememl/2012/main" xmlns="" name="Office Theme" id="{62F939B6-93AF-4DB8-9C6B-D6C7DFDC589F}" vid="{4A3C46E8-61CC-4603-A589-7422A47A8E4A}"/>
+      <thm15:themeFamily xmlns="" xmlns:thm15="http://schemas.microsoft.com/office/thememl/2012/main" name="Office Theme" id="{62F939B6-93AF-4DB8-9C6B-D6C7DFDC589F}" vid="{4A3C46E8-61CC-4603-A589-7422A47A8E4A}"/>
     </a:ext>
   </a:extLst>
 </a:theme>
@@ -18506,7 +18502,7 @@
   <a:extraClrSchemeLst/>
   <a:extLst>
     <a:ext uri="{05A4C25C-085E-4340-85A3-A5531E510DB2}">
-      <thm15:themeFamily xmlns:thm15="http://schemas.microsoft.com/office/thememl/2012/main" xmlns="" name="Wisp" id="{7CB32D59-10C0-40DD-B7BD-2E94284A981C}" vid="{24B1A44C-C006-48B2-A4D7-E5549B3D8CD4}"/>
+      <thm15:themeFamily xmlns="" xmlns:thm15="http://schemas.microsoft.com/office/thememl/2012/main" name="Wisp" id="{7CB32D59-10C0-40DD-B7BD-2E94284A981C}" vid="{24B1A44C-C006-48B2-A4D7-E5549B3D8CD4}"/>
     </a:ext>
   </a:extLst>
 </a:theme>
